--- a/2019系统仿真-13- 延迟原理(编写中).pptx
+++ b/2019系统仿真-13- 延迟原理(编写中).pptx
@@ -257,7 +257,7 @@
                 <a:latin typeface="微软雅黑" panose="020B0503020204020204" pitchFamily="34" charset="-122"/>
                 <a:ea typeface="微软雅黑" panose="020B0503020204020204" pitchFamily="34" charset="-122"/>
               </a:rPr>
-              <a:t>2018年5月21日</a:t>
+              <a:t>2019年4月28日 Sunday</a:t>
             </a:fld>
             <a:endParaRPr lang="zh-CN" altLang="en-US" dirty="0">
               <a:latin typeface="微软雅黑" panose="020B0503020204020204" pitchFamily="34" charset="-122"/>
@@ -449,7 +449,7 @@
             <a:fld id="{07D6BDDC-F39A-4E16-93D6-E40B88AA6D58}" type="datetime2">
               <a:rPr lang="zh-CN" altLang="en-US" smtClean="0"/>
               <a:pPr/>
-              <a:t>2018年5月21日</a:t>
+              <a:t>2019年4月28日 Sunday</a:t>
             </a:fld>
             <a:endParaRPr lang="zh-CN" altLang="en-US" dirty="0"/>
           </a:p>
@@ -1607,7 +1607,7 @@
           <a:p>
             <a:pPr rtl="0"/>
             <a:r>
-              <a:rPr lang="zh-CN" altLang="en-US" noProof="0" smtClean="0"/>
+              <a:rPr lang="zh-CN" altLang="en-US" noProof="0"/>
               <a:t>单击此处编辑母版标题样式</a:t>
             </a:r>
             <a:endParaRPr lang="zh-CN" altLang="en-US" noProof="0" dirty="0"/>
@@ -1732,7 +1732,7 @@
           <a:p>
             <a:pPr rtl="0"/>
             <a:r>
-              <a:rPr lang="zh-CN" altLang="en-US" noProof="0" smtClean="0"/>
+              <a:rPr lang="zh-CN" altLang="en-US" noProof="0"/>
               <a:t>单击以编辑母版副标题样式</a:t>
             </a:r>
             <a:endParaRPr lang="zh-CN" altLang="en-US" noProof="0" dirty="0"/>
@@ -1767,7 +1767,7 @@
             <a:fld id="{4947C3F0-2957-4D41-9FB7-182757A04D67}" type="datetime2">
               <a:rPr lang="zh-CN" altLang="en-US" smtClean="0"/>
               <a:pPr/>
-              <a:t>2018年5月21日</a:t>
+              <a:t>2019年4月28日 Sunday</a:t>
             </a:fld>
             <a:endParaRPr lang="zh-CN" altLang="en-US" dirty="0"/>
           </a:p>
@@ -1903,7 +1903,7 @@
           <a:p>
             <a:pPr rtl="0"/>
             <a:r>
-              <a:rPr lang="zh-CN" altLang="en-US" noProof="0" smtClean="0"/>
+              <a:rPr lang="zh-CN" altLang="en-US" noProof="0"/>
               <a:t>单击此处编辑母版标题样式</a:t>
             </a:r>
             <a:endParaRPr lang="zh-CN" altLang="en-US" noProof="0" dirty="0"/>
@@ -1943,35 +1943,35 @@
           <a:p>
             <a:pPr lvl="0" rtl="0"/>
             <a:r>
-              <a:rPr lang="zh-CN" altLang="en-US" noProof="0" smtClean="0"/>
+              <a:rPr lang="zh-CN" altLang="en-US" noProof="0"/>
               <a:t>编辑母版文本样式</a:t>
             </a:r>
           </a:p>
           <a:p>
             <a:pPr lvl="1" rtl="0"/>
             <a:r>
-              <a:rPr lang="zh-CN" altLang="en-US" noProof="0" smtClean="0"/>
+              <a:rPr lang="zh-CN" altLang="en-US" noProof="0"/>
               <a:t>第二级</a:t>
             </a:r>
           </a:p>
           <a:p>
             <a:pPr lvl="2" rtl="0"/>
             <a:r>
-              <a:rPr lang="zh-CN" altLang="en-US" noProof="0" smtClean="0"/>
+              <a:rPr lang="zh-CN" altLang="en-US" noProof="0"/>
               <a:t>第三级</a:t>
             </a:r>
           </a:p>
           <a:p>
             <a:pPr lvl="3" rtl="0"/>
             <a:r>
-              <a:rPr lang="zh-CN" altLang="en-US" noProof="0" smtClean="0"/>
+              <a:rPr lang="zh-CN" altLang="en-US" noProof="0"/>
               <a:t>第四级</a:t>
             </a:r>
           </a:p>
           <a:p>
             <a:pPr lvl="4" rtl="0"/>
             <a:r>
-              <a:rPr lang="zh-CN" altLang="en-US" noProof="0" smtClean="0"/>
+              <a:rPr lang="zh-CN" altLang="en-US" noProof="0"/>
               <a:t>第五级</a:t>
             </a:r>
             <a:endParaRPr lang="zh-CN" altLang="en-US" noProof="0" dirty="0"/>
@@ -2000,7 +2000,7 @@
             <a:fld id="{8DF8E148-EC1F-43A2-8C9E-1F57F6D08A76}" type="datetime2">
               <a:rPr lang="zh-CN" altLang="en-US" smtClean="0"/>
               <a:pPr/>
-              <a:t>2018年5月21日</a:t>
+              <a:t>2019年4月28日 Sunday</a:t>
             </a:fld>
             <a:endParaRPr lang="zh-CN" altLang="en-US" dirty="0"/>
           </a:p>
@@ -2763,7 +2763,7 @@
           <a:p>
             <a:pPr rtl="0"/>
             <a:r>
-              <a:rPr lang="zh-CN" altLang="en-US" noProof="0" smtClean="0"/>
+              <a:rPr lang="zh-CN" altLang="en-US" noProof="0"/>
               <a:t>单击此处编辑母版标题样式</a:t>
             </a:r>
             <a:endParaRPr lang="zh-CN" altLang="en-US" noProof="0" dirty="0"/>
@@ -2823,35 +2823,35 @@
           <a:p>
             <a:pPr lvl="0" rtl="0"/>
             <a:r>
-              <a:rPr lang="zh-CN" altLang="en-US" noProof="0" smtClean="0"/>
+              <a:rPr lang="zh-CN" altLang="en-US" noProof="0"/>
               <a:t>编辑母版文本样式</a:t>
             </a:r>
           </a:p>
           <a:p>
             <a:pPr lvl="1" rtl="0"/>
             <a:r>
-              <a:rPr lang="zh-CN" altLang="en-US" noProof="0" smtClean="0"/>
+              <a:rPr lang="zh-CN" altLang="en-US" noProof="0"/>
               <a:t>第二级</a:t>
             </a:r>
           </a:p>
           <a:p>
             <a:pPr lvl="2" rtl="0"/>
             <a:r>
-              <a:rPr lang="zh-CN" altLang="en-US" noProof="0" smtClean="0"/>
+              <a:rPr lang="zh-CN" altLang="en-US" noProof="0"/>
               <a:t>第三级</a:t>
             </a:r>
           </a:p>
           <a:p>
             <a:pPr lvl="3" rtl="0"/>
             <a:r>
-              <a:rPr lang="zh-CN" altLang="en-US" noProof="0" smtClean="0"/>
+              <a:rPr lang="zh-CN" altLang="en-US" noProof="0"/>
               <a:t>第四级</a:t>
             </a:r>
           </a:p>
           <a:p>
             <a:pPr lvl="4" rtl="0"/>
             <a:r>
-              <a:rPr lang="zh-CN" altLang="en-US" noProof="0" smtClean="0"/>
+              <a:rPr lang="zh-CN" altLang="en-US" noProof="0"/>
               <a:t>第五级</a:t>
             </a:r>
             <a:endParaRPr lang="zh-CN" altLang="en-US" noProof="0" dirty="0"/>
@@ -2883,7 +2883,7 @@
             <a:fld id="{FB7B4C11-1E14-4887-9E78-A9346EC068F1}" type="datetime2">
               <a:rPr lang="zh-CN" altLang="en-US" smtClean="0"/>
               <a:pPr/>
-              <a:t>2018年5月21日</a:t>
+              <a:t>2019年4月28日 Sunday</a:t>
             </a:fld>
             <a:endParaRPr lang="zh-CN" altLang="en-US" dirty="0"/>
           </a:p>
@@ -3015,7 +3015,7 @@
           <a:p>
             <a:pPr rtl="0"/>
             <a:r>
-              <a:rPr lang="zh-CN" altLang="en-US" smtClean="0"/>
+              <a:rPr lang="zh-CN" altLang="en-US"/>
               <a:t>单击此处编辑母版标题样式</a:t>
             </a:r>
             <a:endParaRPr lang="zh-CN" altLang="en-US" dirty="0"/>
@@ -3082,35 +3082,35 @@
           <a:p>
             <a:pPr lvl="0" rtl="0"/>
             <a:r>
-              <a:rPr lang="zh-CN" altLang="en-US" smtClean="0"/>
+              <a:rPr lang="zh-CN" altLang="en-US"/>
               <a:t>编辑母版文本样式</a:t>
             </a:r>
           </a:p>
           <a:p>
             <a:pPr lvl="1" rtl="0"/>
             <a:r>
-              <a:rPr lang="zh-CN" altLang="en-US" smtClean="0"/>
+              <a:rPr lang="zh-CN" altLang="en-US"/>
               <a:t>第二级</a:t>
             </a:r>
           </a:p>
           <a:p>
             <a:pPr lvl="2" rtl="0"/>
             <a:r>
-              <a:rPr lang="zh-CN" altLang="en-US" smtClean="0"/>
+              <a:rPr lang="zh-CN" altLang="en-US"/>
               <a:t>第三级</a:t>
             </a:r>
           </a:p>
           <a:p>
             <a:pPr lvl="3" rtl="0"/>
             <a:r>
-              <a:rPr lang="zh-CN" altLang="en-US" smtClean="0"/>
+              <a:rPr lang="zh-CN" altLang="en-US"/>
               <a:t>第四级</a:t>
             </a:r>
           </a:p>
           <a:p>
             <a:pPr lvl="4" rtl="0"/>
             <a:r>
-              <a:rPr lang="zh-CN" altLang="en-US" smtClean="0"/>
+              <a:rPr lang="zh-CN" altLang="en-US"/>
               <a:t>第五级</a:t>
             </a:r>
             <a:endParaRPr lang="zh-CN" altLang="en-US" dirty="0"/>
@@ -3142,7 +3142,7 @@
             <a:fld id="{86FD5D46-E987-42B2-B42C-B8920598FADE}" type="datetime2">
               <a:rPr lang="zh-CN" altLang="en-US" smtClean="0"/>
               <a:pPr/>
-              <a:t>2018年5月21日</a:t>
+              <a:t>2019年4月28日 Sunday</a:t>
             </a:fld>
             <a:endParaRPr lang="zh-CN" altLang="en-US" dirty="0"/>
           </a:p>
@@ -3231,13 +3231,6 @@
       </p:transition>
     </mc:Fallback>
   </mc:AlternateContent>
-  <p:timing>
-    <p:tnLst>
-      <p:par>
-        <p:cTn id="1" dur="indefinite" restart="never" nodeType="tmRoot"/>
-      </p:par>
-    </p:tnLst>
-  </p:timing>
 </p:sldLayout>
 </file>
 
@@ -4317,7 +4310,7 @@
           <a:p>
             <a:pPr rtl="0"/>
             <a:r>
-              <a:rPr lang="zh-CN" altLang="en-US" noProof="0" smtClean="0"/>
+              <a:rPr lang="zh-CN" altLang="en-US" noProof="0"/>
               <a:t>单击此处编辑母版标题样式</a:t>
             </a:r>
             <a:endParaRPr lang="zh-CN" altLang="en-US" noProof="0" dirty="0"/>
@@ -4442,7 +4435,7 @@
           <a:p>
             <a:pPr lvl="0" rtl="0"/>
             <a:r>
-              <a:rPr lang="zh-CN" altLang="en-US" noProof="0" smtClean="0"/>
+              <a:rPr lang="zh-CN" altLang="en-US" noProof="0"/>
               <a:t>编辑母版文本样式</a:t>
             </a:r>
           </a:p>
@@ -4476,7 +4469,7 @@
             <a:fld id="{8365F240-A7EF-41C8-A85B-C448CF84B5E5}" type="datetime2">
               <a:rPr lang="zh-CN" altLang="en-US" smtClean="0"/>
               <a:pPr/>
-              <a:t>2018年5月21日</a:t>
+              <a:t>2019年4月28日 Sunday</a:t>
             </a:fld>
             <a:endParaRPr lang="zh-CN" altLang="en-US" dirty="0"/>
           </a:p>
@@ -4612,7 +4605,7 @@
           <a:p>
             <a:pPr rtl="0"/>
             <a:r>
-              <a:rPr lang="zh-CN" altLang="en-US" smtClean="0"/>
+              <a:rPr lang="zh-CN" altLang="en-US"/>
               <a:t>单击此处编辑母版标题样式</a:t>
             </a:r>
             <a:endParaRPr lang="zh-CN" altLang="en-US" dirty="0"/>
@@ -4669,35 +4662,35 @@
           <a:p>
             <a:pPr lvl="0" rtl="0"/>
             <a:r>
-              <a:rPr lang="zh-CN" altLang="en-US" smtClean="0"/>
+              <a:rPr lang="zh-CN" altLang="en-US"/>
               <a:t>编辑母版文本样式</a:t>
             </a:r>
           </a:p>
           <a:p>
             <a:pPr lvl="1" rtl="0"/>
             <a:r>
-              <a:rPr lang="zh-CN" altLang="en-US" smtClean="0"/>
+              <a:rPr lang="zh-CN" altLang="en-US"/>
               <a:t>第二级</a:t>
             </a:r>
           </a:p>
           <a:p>
             <a:pPr lvl="2" rtl="0"/>
             <a:r>
-              <a:rPr lang="zh-CN" altLang="en-US" smtClean="0"/>
+              <a:rPr lang="zh-CN" altLang="en-US"/>
               <a:t>第三级</a:t>
             </a:r>
           </a:p>
           <a:p>
             <a:pPr lvl="3" rtl="0"/>
             <a:r>
-              <a:rPr lang="zh-CN" altLang="en-US" smtClean="0"/>
+              <a:rPr lang="zh-CN" altLang="en-US"/>
               <a:t>第四级</a:t>
             </a:r>
           </a:p>
           <a:p>
             <a:pPr lvl="4" rtl="0"/>
             <a:r>
-              <a:rPr lang="zh-CN" altLang="en-US" smtClean="0"/>
+              <a:rPr lang="zh-CN" altLang="en-US"/>
               <a:t>第五级</a:t>
             </a:r>
             <a:endParaRPr lang="zh-CN" altLang="en-US" dirty="0"/>
@@ -4754,35 +4747,35 @@
           <a:p>
             <a:pPr lvl="0" rtl="0"/>
             <a:r>
-              <a:rPr lang="zh-CN" altLang="en-US" smtClean="0"/>
+              <a:rPr lang="zh-CN" altLang="en-US"/>
               <a:t>编辑母版文本样式</a:t>
             </a:r>
           </a:p>
           <a:p>
             <a:pPr lvl="1" rtl="0"/>
             <a:r>
-              <a:rPr lang="zh-CN" altLang="en-US" smtClean="0"/>
+              <a:rPr lang="zh-CN" altLang="en-US"/>
               <a:t>第二级</a:t>
             </a:r>
           </a:p>
           <a:p>
             <a:pPr lvl="2" rtl="0"/>
             <a:r>
-              <a:rPr lang="zh-CN" altLang="en-US" smtClean="0"/>
+              <a:rPr lang="zh-CN" altLang="en-US"/>
               <a:t>第三级</a:t>
             </a:r>
           </a:p>
           <a:p>
             <a:pPr lvl="3" rtl="0"/>
             <a:r>
-              <a:rPr lang="zh-CN" altLang="en-US" smtClean="0"/>
+              <a:rPr lang="zh-CN" altLang="en-US"/>
               <a:t>第四级</a:t>
             </a:r>
           </a:p>
           <a:p>
             <a:pPr lvl="4" rtl="0"/>
             <a:r>
-              <a:rPr lang="zh-CN" altLang="en-US" smtClean="0"/>
+              <a:rPr lang="zh-CN" altLang="en-US"/>
               <a:t>第五级</a:t>
             </a:r>
             <a:endParaRPr lang="zh-CN" altLang="en-US" dirty="0"/>
@@ -4811,7 +4804,7 @@
             <a:fld id="{F770B30E-8728-44DB-AEE3-E4A75AEDBBD9}" type="datetime2">
               <a:rPr lang="zh-CN" altLang="en-US" smtClean="0"/>
               <a:pPr/>
-              <a:t>2018年5月21日</a:t>
+              <a:t>2019年4月28日 Sunday</a:t>
             </a:fld>
             <a:endParaRPr lang="zh-CN" altLang="en-US" dirty="0"/>
           </a:p>
@@ -4930,7 +4923,7 @@
           <a:p>
             <a:pPr rtl="0"/>
             <a:r>
-              <a:rPr lang="zh-CN" altLang="en-US" smtClean="0"/>
+              <a:rPr lang="zh-CN" altLang="en-US"/>
               <a:t>单击此处编辑母版标题样式</a:t>
             </a:r>
             <a:endParaRPr lang="zh-CN" altLang="en-US" dirty="0"/>
@@ -5004,7 +4997,7 @@
           <a:p>
             <a:pPr lvl="0" rtl="0"/>
             <a:r>
-              <a:rPr lang="zh-CN" altLang="en-US" smtClean="0"/>
+              <a:rPr lang="zh-CN" altLang="en-US"/>
               <a:t>编辑母版文本样式</a:t>
             </a:r>
           </a:p>
@@ -5077,35 +5070,35 @@
           <a:p>
             <a:pPr lvl="0" rtl="0"/>
             <a:r>
-              <a:rPr lang="zh-CN" altLang="en-US" smtClean="0"/>
+              <a:rPr lang="zh-CN" altLang="en-US"/>
               <a:t>编辑母版文本样式</a:t>
             </a:r>
           </a:p>
           <a:p>
             <a:pPr lvl="1" rtl="0"/>
             <a:r>
-              <a:rPr lang="zh-CN" altLang="en-US" smtClean="0"/>
+              <a:rPr lang="zh-CN" altLang="en-US"/>
               <a:t>第二级</a:t>
             </a:r>
           </a:p>
           <a:p>
             <a:pPr lvl="2" rtl="0"/>
             <a:r>
-              <a:rPr lang="zh-CN" altLang="en-US" smtClean="0"/>
+              <a:rPr lang="zh-CN" altLang="en-US"/>
               <a:t>第三级</a:t>
             </a:r>
           </a:p>
           <a:p>
             <a:pPr lvl="3" rtl="0"/>
             <a:r>
-              <a:rPr lang="zh-CN" altLang="en-US" smtClean="0"/>
+              <a:rPr lang="zh-CN" altLang="en-US"/>
               <a:t>第四级</a:t>
             </a:r>
           </a:p>
           <a:p>
             <a:pPr lvl="4" rtl="0"/>
             <a:r>
-              <a:rPr lang="zh-CN" altLang="en-US" smtClean="0"/>
+              <a:rPr lang="zh-CN" altLang="en-US"/>
               <a:t>第五级</a:t>
             </a:r>
             <a:endParaRPr lang="zh-CN" altLang="en-US" dirty="0"/>
@@ -5179,7 +5172,7 @@
           <a:p>
             <a:pPr lvl="0" rtl="0"/>
             <a:r>
-              <a:rPr lang="zh-CN" altLang="en-US" smtClean="0"/>
+              <a:rPr lang="zh-CN" altLang="en-US"/>
               <a:t>编辑母版文本样式</a:t>
             </a:r>
           </a:p>
@@ -5252,35 +5245,35 @@
           <a:p>
             <a:pPr lvl="0" rtl="0"/>
             <a:r>
-              <a:rPr lang="zh-CN" altLang="en-US" smtClean="0"/>
+              <a:rPr lang="zh-CN" altLang="en-US"/>
               <a:t>编辑母版文本样式</a:t>
             </a:r>
           </a:p>
           <a:p>
             <a:pPr lvl="1" rtl="0"/>
             <a:r>
-              <a:rPr lang="zh-CN" altLang="en-US" smtClean="0"/>
+              <a:rPr lang="zh-CN" altLang="en-US"/>
               <a:t>第二级</a:t>
             </a:r>
           </a:p>
           <a:p>
             <a:pPr lvl="2" rtl="0"/>
             <a:r>
-              <a:rPr lang="zh-CN" altLang="en-US" smtClean="0"/>
+              <a:rPr lang="zh-CN" altLang="en-US"/>
               <a:t>第三级</a:t>
             </a:r>
           </a:p>
           <a:p>
             <a:pPr lvl="3" rtl="0"/>
             <a:r>
-              <a:rPr lang="zh-CN" altLang="en-US" smtClean="0"/>
+              <a:rPr lang="zh-CN" altLang="en-US"/>
               <a:t>第四级</a:t>
             </a:r>
           </a:p>
           <a:p>
             <a:pPr lvl="4" rtl="0"/>
             <a:r>
-              <a:rPr lang="zh-CN" altLang="en-US" smtClean="0"/>
+              <a:rPr lang="zh-CN" altLang="en-US"/>
               <a:t>第五级</a:t>
             </a:r>
             <a:endParaRPr lang="zh-CN" altLang="en-US" dirty="0"/>
@@ -5312,7 +5305,7 @@
             <a:fld id="{680BCF82-A51A-4389-A573-378AD02C5141}" type="datetime2">
               <a:rPr lang="zh-CN" altLang="en-US" smtClean="0"/>
               <a:pPr/>
-              <a:t>2018年5月21日</a:t>
+              <a:t>2019年4月28日 Sunday</a:t>
             </a:fld>
             <a:endParaRPr lang="zh-CN" altLang="en-US" dirty="0"/>
           </a:p>
@@ -5438,7 +5431,7 @@
           <a:p>
             <a:pPr rtl="0"/>
             <a:r>
-              <a:rPr lang="zh-CN" altLang="en-US" smtClean="0"/>
+              <a:rPr lang="zh-CN" altLang="en-US"/>
               <a:t>单击此处编辑母版标题样式</a:t>
             </a:r>
             <a:endParaRPr lang="zh-CN" altLang="en-US" dirty="0"/>
@@ -5467,7 +5460,7 @@
             <a:fld id="{CE03A716-E3DC-4D9D-823C-60FCD8C9B163}" type="datetime2">
               <a:rPr lang="zh-CN" altLang="en-US" smtClean="0"/>
               <a:pPr/>
-              <a:t>2018年5月21日</a:t>
+              <a:t>2019年4月28日 Sunday</a:t>
             </a:fld>
             <a:endParaRPr lang="zh-CN" altLang="en-US" dirty="0"/>
           </a:p>
@@ -5827,7 +5820,7 @@
             <a:fld id="{C16B8A94-44E5-4844-A22C-F796FCAA90D9}" type="datetime2">
               <a:rPr lang="zh-CN" altLang="en-US" smtClean="0"/>
               <a:pPr/>
-              <a:t>2018年5月21日</a:t>
+              <a:t>2019年4月28日 Sunday</a:t>
             </a:fld>
             <a:endParaRPr lang="zh-CN" altLang="en-US" dirty="0"/>
           </a:p>
@@ -6162,7 +6155,7 @@
           <a:p>
             <a:pPr rtl="0"/>
             <a:r>
-              <a:rPr lang="zh-CN" altLang="en-US" noProof="0" smtClean="0"/>
+              <a:rPr lang="zh-CN" altLang="en-US" noProof="0"/>
               <a:t>单击此处编辑母版标题样式</a:t>
             </a:r>
             <a:endParaRPr lang="zh-CN" altLang="en-US" noProof="0" dirty="0"/>
@@ -6236,35 +6229,35 @@
           <a:p>
             <a:pPr lvl="0" rtl="0"/>
             <a:r>
-              <a:rPr lang="zh-CN" altLang="en-US" noProof="0" smtClean="0"/>
+              <a:rPr lang="zh-CN" altLang="en-US" noProof="0"/>
               <a:t>编辑母版文本样式</a:t>
             </a:r>
           </a:p>
           <a:p>
             <a:pPr lvl="1" rtl="0"/>
             <a:r>
-              <a:rPr lang="zh-CN" altLang="en-US" noProof="0" smtClean="0"/>
+              <a:rPr lang="zh-CN" altLang="en-US" noProof="0"/>
               <a:t>第二级</a:t>
             </a:r>
           </a:p>
           <a:p>
             <a:pPr lvl="2" rtl="0"/>
             <a:r>
-              <a:rPr lang="zh-CN" altLang="en-US" noProof="0" smtClean="0"/>
+              <a:rPr lang="zh-CN" altLang="en-US" noProof="0"/>
               <a:t>第三级</a:t>
             </a:r>
           </a:p>
           <a:p>
             <a:pPr lvl="3" rtl="0"/>
             <a:r>
-              <a:rPr lang="zh-CN" altLang="en-US" noProof="0" smtClean="0"/>
+              <a:rPr lang="zh-CN" altLang="en-US" noProof="0"/>
               <a:t>第四级</a:t>
             </a:r>
           </a:p>
           <a:p>
             <a:pPr lvl="4" rtl="0"/>
             <a:r>
-              <a:rPr lang="zh-CN" altLang="en-US" noProof="0" smtClean="0"/>
+              <a:rPr lang="zh-CN" altLang="en-US" noProof="0"/>
               <a:t>第五级</a:t>
             </a:r>
             <a:endParaRPr lang="zh-CN" altLang="en-US" noProof="0" dirty="0"/>
@@ -6338,7 +6331,7 @@
           <a:p>
             <a:pPr lvl="0" rtl="0"/>
             <a:r>
-              <a:rPr lang="zh-CN" altLang="en-US" noProof="0" smtClean="0"/>
+              <a:rPr lang="zh-CN" altLang="en-US" noProof="0"/>
               <a:t>编辑母版文本样式</a:t>
             </a:r>
           </a:p>
@@ -6369,7 +6362,7 @@
             <a:fld id="{F288B2AC-AC0A-4E49-82A3-94EE74FA7FBF}" type="datetime2">
               <a:rPr lang="zh-CN" altLang="en-US" smtClean="0"/>
               <a:pPr/>
-              <a:t>2018年5月21日</a:t>
+              <a:t>2019年4月28日 Sunday</a:t>
             </a:fld>
             <a:endParaRPr lang="zh-CN" altLang="en-US" dirty="0"/>
           </a:p>
@@ -6457,13 +6450,6 @@
       </p:transition>
     </mc:Fallback>
   </mc:AlternateContent>
-  <p:timing>
-    <p:tnLst>
-      <p:par>
-        <p:cTn id="1" dur="indefinite" restart="never" nodeType="tmRoot"/>
-      </p:par>
-    </p:tnLst>
-  </p:timing>
 </p:sldLayout>
 </file>
 
@@ -6675,7 +6661,7 @@
           <a:p>
             <a:pPr rtl="0"/>
             <a:r>
-              <a:rPr lang="zh-CN" altLang="en-US" smtClean="0"/>
+              <a:rPr lang="zh-CN" altLang="en-US"/>
               <a:t>单击此处编辑母版标题样式</a:t>
             </a:r>
             <a:endParaRPr lang="zh-CN" altLang="en-US" dirty="0"/>
@@ -6754,7 +6740,7 @@
           <a:p>
             <a:pPr rtl="0"/>
             <a:r>
-              <a:rPr lang="zh-CN" altLang="en-US" smtClean="0"/>
+              <a:rPr lang="zh-CN" altLang="en-US"/>
               <a:t>单击图标添加图片</a:t>
             </a:r>
             <a:endParaRPr lang="zh-CN" altLang="en-US" dirty="0"/>
@@ -6828,7 +6814,7 @@
           <a:p>
             <a:pPr lvl="0" rtl="0"/>
             <a:r>
-              <a:rPr lang="zh-CN" altLang="en-US" smtClean="0"/>
+              <a:rPr lang="zh-CN" altLang="en-US"/>
               <a:t>编辑母版文本样式</a:t>
             </a:r>
           </a:p>
@@ -6862,7 +6848,7 @@
             <a:fld id="{1878E339-1BD2-4FEE-A113-9A0301740CF6}" type="datetime2">
               <a:rPr lang="zh-CN" altLang="en-US" smtClean="0"/>
               <a:pPr/>
-              <a:t>2018年5月21日</a:t>
+              <a:t>2019年4月28日 Sunday</a:t>
             </a:fld>
             <a:endParaRPr lang="zh-CN" altLang="en-US" dirty="0"/>
           </a:p>
@@ -7786,7 +7772,7 @@
             <a:fld id="{A339CB27-C670-4AAB-948C-7E3D1D9FAE30}" type="datetime2">
               <a:rPr lang="zh-CN" altLang="en-US" smtClean="0"/>
               <a:pPr/>
-              <a:t>2018年5月21日</a:t>
+              <a:t>2019年4月28日 Sunday</a:t>
             </a:fld>
             <a:endParaRPr lang="zh-CN" altLang="en-US" dirty="0"/>
           </a:p>
@@ -8243,18 +8229,13 @@
           <a:p>
             <a:pPr rtl="0"/>
             <a:r>
-              <a:rPr lang="zh-CN" altLang="en-US" dirty="0" smtClean="0">
+              <a:rPr lang="zh-CN" altLang="en-US" dirty="0">
                 <a:latin typeface="Arial" panose="020B0604020202020204" pitchFamily="34" charset="0"/>
                 <a:ea typeface="微软雅黑" panose="020B0503020204020204" pitchFamily="34" charset="-122"/>
                 <a:sym typeface="Arial" panose="020B0604020202020204" pitchFamily="34" charset="0"/>
               </a:rPr>
               <a:t>物流系统建模与仿真</a:t>
             </a:r>
-            <a:endParaRPr lang="zh-CN" altLang="en-US" dirty="0">
-              <a:latin typeface="Arial" panose="020B0604020202020204" pitchFamily="34" charset="0"/>
-              <a:ea typeface="微软雅黑" panose="020B0503020204020204" pitchFamily="34" charset="-122"/>
-              <a:sym typeface="Arial" panose="020B0604020202020204" pitchFamily="34" charset="0"/>
-            </a:endParaRPr>
           </a:p>
         </p:txBody>
       </p:sp>
@@ -8275,18 +8256,13 @@
           <a:p>
             <a:pPr rtl="0"/>
             <a:r>
-              <a:rPr lang="zh-CN" altLang="en-US" dirty="0" smtClean="0">
+              <a:rPr lang="zh-CN" altLang="en-US" dirty="0">
                 <a:latin typeface="Arial" panose="020B0604020202020204" pitchFamily="34" charset="0"/>
                 <a:ea typeface="微软雅黑" panose="020B0503020204020204" pitchFamily="34" charset="-122"/>
                 <a:sym typeface="Arial" panose="020B0604020202020204" pitchFamily="34" charset="0"/>
               </a:rPr>
               <a:t>第十八节 延迟原理</a:t>
             </a:r>
-            <a:endParaRPr lang="zh-CN" altLang="en-US" dirty="0">
-              <a:latin typeface="Arial" panose="020B0604020202020204" pitchFamily="34" charset="0"/>
-              <a:ea typeface="微软雅黑" panose="020B0503020204020204" pitchFamily="34" charset="-122"/>
-              <a:sym typeface="Arial" panose="020B0604020202020204" pitchFamily="34" charset="0"/>
-            </a:endParaRPr>
           </a:p>
         </p:txBody>
       </p:sp>
@@ -8312,13 +8288,6 @@
       </p:transition>
     </mc:Fallback>
   </mc:AlternateContent>
-  <p:timing>
-    <p:tnLst>
-      <p:par>
-        <p:cTn id="1" dur="indefinite" restart="never" nodeType="tmRoot"/>
-      </p:par>
-    </p:tnLst>
-  </p:timing>
 </p:sld>
 </file>
 
@@ -8363,10 +8332,9 @@
               <a:t>-</a:t>
             </a:r>
             <a:r>
-              <a:rPr lang="zh-CN" altLang="en-US" dirty="0" smtClean="0"/>
+              <a:rPr lang="zh-CN" altLang="en-US" dirty="0"/>
               <a:t>物料延迟</a:t>
             </a:r>
-            <a:endParaRPr lang="zh-CN" altLang="en-US" dirty="0"/>
           </a:p>
         </p:txBody>
       </p:sp>
@@ -8386,26 +8354,25 @@
           <a:lstStyle/>
           <a:p>
             <a:r>
-              <a:rPr lang="zh-CN" altLang="en-US" dirty="0" smtClean="0"/>
+              <a:rPr lang="zh-CN" altLang="en-US" dirty="0"/>
               <a:t>物料延迟基本假设：</a:t>
             </a:r>
-            <a:endParaRPr lang="en-US" altLang="zh-CN" dirty="0" smtClean="0"/>
+            <a:endParaRPr lang="en-US" altLang="zh-CN" dirty="0"/>
           </a:p>
           <a:p>
             <a:pPr lvl="1"/>
             <a:r>
-              <a:rPr lang="zh-CN" altLang="en-US" dirty="0" smtClean="0"/>
+              <a:rPr lang="zh-CN" altLang="en-US" dirty="0"/>
               <a:t>完美混合</a:t>
             </a:r>
-            <a:endParaRPr lang="en-US" altLang="zh-CN" dirty="0" smtClean="0"/>
+            <a:endParaRPr lang="en-US" altLang="zh-CN" dirty="0"/>
           </a:p>
           <a:p>
             <a:pPr lvl="1"/>
             <a:r>
-              <a:rPr lang="zh-CN" altLang="en-US" dirty="0" smtClean="0"/>
+              <a:rPr lang="zh-CN" altLang="en-US" dirty="0"/>
               <a:t>随机离开队列</a:t>
             </a:r>
-            <a:endParaRPr lang="zh-CN" altLang="en-US" dirty="0"/>
           </a:p>
         </p:txBody>
       </p:sp>
@@ -8506,7 +8473,336 @@
   <p:timing>
     <p:tnLst>
       <p:par>
-        <p:cTn id="1" dur="indefinite" restart="never" nodeType="tmRoot"/>
+        <p:cTn id="1" dur="indefinite" restart="never" nodeType="tmRoot">
+          <p:childTnLst>
+            <p:seq concurrent="1" nextAc="seek">
+              <p:cTn id="2" dur="indefinite" nodeType="mainSeq">
+                <p:childTnLst>
+                  <p:par>
+                    <p:cTn id="3" fill="hold">
+                      <p:stCondLst>
+                        <p:cond delay="indefinite"/>
+                      </p:stCondLst>
+                      <p:childTnLst>
+                        <p:par>
+                          <p:cTn id="4" fill="hold">
+                            <p:stCondLst>
+                              <p:cond delay="0"/>
+                            </p:stCondLst>
+                            <p:childTnLst>
+                              <p:par>
+                                <p:cTn id="5" presetID="10" presetClass="entr" presetSubtype="0" fill="hold" nodeType="clickEffect">
+                                  <p:stCondLst>
+                                    <p:cond delay="0"/>
+                                  </p:stCondLst>
+                                  <p:childTnLst>
+                                    <p:set>
+                                      <p:cBhvr>
+                                        <p:cTn id="6" dur="1" fill="hold">
+                                          <p:stCondLst>
+                                            <p:cond delay="0"/>
+                                          </p:stCondLst>
+                                        </p:cTn>
+                                        <p:tgtEl>
+                                          <p:spTgt spid="4"/>
+                                        </p:tgtEl>
+                                        <p:attrNameLst>
+                                          <p:attrName>style.visibility</p:attrName>
+                                        </p:attrNameLst>
+                                      </p:cBhvr>
+                                      <p:to>
+                                        <p:strVal val="visible"/>
+                                      </p:to>
+                                    </p:set>
+                                    <p:animEffect transition="in" filter="fade">
+                                      <p:cBhvr>
+                                        <p:cTn id="7" dur="500"/>
+                                        <p:tgtEl>
+                                          <p:spTgt spid="4"/>
+                                        </p:tgtEl>
+                                      </p:cBhvr>
+                                    </p:animEffect>
+                                  </p:childTnLst>
+                                </p:cTn>
+                              </p:par>
+                            </p:childTnLst>
+                          </p:cTn>
+                        </p:par>
+                      </p:childTnLst>
+                    </p:cTn>
+                  </p:par>
+                  <p:par>
+                    <p:cTn id="8" fill="hold">
+                      <p:stCondLst>
+                        <p:cond delay="indefinite"/>
+                      </p:stCondLst>
+                      <p:childTnLst>
+                        <p:par>
+                          <p:cTn id="9" fill="hold">
+                            <p:stCondLst>
+                              <p:cond delay="0"/>
+                            </p:stCondLst>
+                            <p:childTnLst>
+                              <p:par>
+                                <p:cTn id="10" presetID="10" presetClass="entr" presetSubtype="0" fill="hold" nodeType="clickEffect">
+                                  <p:stCondLst>
+                                    <p:cond delay="0"/>
+                                  </p:stCondLst>
+                                  <p:childTnLst>
+                                    <p:set>
+                                      <p:cBhvr>
+                                        <p:cTn id="11" dur="1" fill="hold">
+                                          <p:stCondLst>
+                                            <p:cond delay="0"/>
+                                          </p:stCondLst>
+                                        </p:cTn>
+                                        <p:tgtEl>
+                                          <p:spTgt spid="3">
+                                            <p:txEl>
+                                              <p:pRg st="0" end="0"/>
+                                            </p:txEl>
+                                          </p:spTgt>
+                                        </p:tgtEl>
+                                        <p:attrNameLst>
+                                          <p:attrName>style.visibility</p:attrName>
+                                        </p:attrNameLst>
+                                      </p:cBhvr>
+                                      <p:to>
+                                        <p:strVal val="visible"/>
+                                      </p:to>
+                                    </p:set>
+                                    <p:animEffect transition="in" filter="fade">
+                                      <p:cBhvr>
+                                        <p:cTn id="12" dur="500"/>
+                                        <p:tgtEl>
+                                          <p:spTgt spid="3">
+                                            <p:txEl>
+                                              <p:pRg st="0" end="0"/>
+                                            </p:txEl>
+                                          </p:spTgt>
+                                        </p:tgtEl>
+                                      </p:cBhvr>
+                                    </p:animEffect>
+                                  </p:childTnLst>
+                                </p:cTn>
+                              </p:par>
+                              <p:par>
+                                <p:cTn id="13" presetID="10" presetClass="entr" presetSubtype="0" fill="hold" nodeType="withEffect">
+                                  <p:stCondLst>
+                                    <p:cond delay="0"/>
+                                  </p:stCondLst>
+                                  <p:childTnLst>
+                                    <p:set>
+                                      <p:cBhvr>
+                                        <p:cTn id="14" dur="1" fill="hold">
+                                          <p:stCondLst>
+                                            <p:cond delay="0"/>
+                                          </p:stCondLst>
+                                        </p:cTn>
+                                        <p:tgtEl>
+                                          <p:spTgt spid="3">
+                                            <p:txEl>
+                                              <p:pRg st="1" end="1"/>
+                                            </p:txEl>
+                                          </p:spTgt>
+                                        </p:tgtEl>
+                                        <p:attrNameLst>
+                                          <p:attrName>style.visibility</p:attrName>
+                                        </p:attrNameLst>
+                                      </p:cBhvr>
+                                      <p:to>
+                                        <p:strVal val="visible"/>
+                                      </p:to>
+                                    </p:set>
+                                    <p:animEffect transition="in" filter="fade">
+                                      <p:cBhvr>
+                                        <p:cTn id="15" dur="500"/>
+                                        <p:tgtEl>
+                                          <p:spTgt spid="3">
+                                            <p:txEl>
+                                              <p:pRg st="1" end="1"/>
+                                            </p:txEl>
+                                          </p:spTgt>
+                                        </p:tgtEl>
+                                      </p:cBhvr>
+                                    </p:animEffect>
+                                  </p:childTnLst>
+                                </p:cTn>
+                              </p:par>
+                              <p:par>
+                                <p:cTn id="16" presetID="10" presetClass="entr" presetSubtype="0" fill="hold" nodeType="withEffect">
+                                  <p:stCondLst>
+                                    <p:cond delay="0"/>
+                                  </p:stCondLst>
+                                  <p:childTnLst>
+                                    <p:set>
+                                      <p:cBhvr>
+                                        <p:cTn id="17" dur="1" fill="hold">
+                                          <p:stCondLst>
+                                            <p:cond delay="0"/>
+                                          </p:stCondLst>
+                                        </p:cTn>
+                                        <p:tgtEl>
+                                          <p:spTgt spid="3">
+                                            <p:txEl>
+                                              <p:pRg st="2" end="2"/>
+                                            </p:txEl>
+                                          </p:spTgt>
+                                        </p:tgtEl>
+                                        <p:attrNameLst>
+                                          <p:attrName>style.visibility</p:attrName>
+                                        </p:attrNameLst>
+                                      </p:cBhvr>
+                                      <p:to>
+                                        <p:strVal val="visible"/>
+                                      </p:to>
+                                    </p:set>
+                                    <p:animEffect transition="in" filter="fade">
+                                      <p:cBhvr>
+                                        <p:cTn id="18" dur="500"/>
+                                        <p:tgtEl>
+                                          <p:spTgt spid="3">
+                                            <p:txEl>
+                                              <p:pRg st="2" end="2"/>
+                                            </p:txEl>
+                                          </p:spTgt>
+                                        </p:tgtEl>
+                                      </p:cBhvr>
+                                    </p:animEffect>
+                                  </p:childTnLst>
+                                </p:cTn>
+                              </p:par>
+                            </p:childTnLst>
+                          </p:cTn>
+                        </p:par>
+                      </p:childTnLst>
+                    </p:cTn>
+                  </p:par>
+                  <p:par>
+                    <p:cTn id="19" fill="hold">
+                      <p:stCondLst>
+                        <p:cond delay="indefinite"/>
+                      </p:stCondLst>
+                      <p:childTnLst>
+                        <p:par>
+                          <p:cTn id="20" fill="hold">
+                            <p:stCondLst>
+                              <p:cond delay="0"/>
+                            </p:stCondLst>
+                            <p:childTnLst>
+                              <p:par>
+                                <p:cTn id="21" presetID="10" presetClass="entr" presetSubtype="0" fill="hold" nodeType="clickEffect">
+                                  <p:stCondLst>
+                                    <p:cond delay="0"/>
+                                  </p:stCondLst>
+                                  <p:childTnLst>
+                                    <p:set>
+                                      <p:cBhvr>
+                                        <p:cTn id="22" dur="1" fill="hold">
+                                          <p:stCondLst>
+                                            <p:cond delay="0"/>
+                                          </p:stCondLst>
+                                        </p:cTn>
+                                        <p:tgtEl>
+                                          <p:spTgt spid="5"/>
+                                        </p:tgtEl>
+                                        <p:attrNameLst>
+                                          <p:attrName>style.visibility</p:attrName>
+                                        </p:attrNameLst>
+                                      </p:cBhvr>
+                                      <p:to>
+                                        <p:strVal val="visible"/>
+                                      </p:to>
+                                    </p:set>
+                                    <p:animEffect transition="in" filter="fade">
+                                      <p:cBhvr>
+                                        <p:cTn id="23" dur="500"/>
+                                        <p:tgtEl>
+                                          <p:spTgt spid="5"/>
+                                        </p:tgtEl>
+                                      </p:cBhvr>
+                                    </p:animEffect>
+                                  </p:childTnLst>
+                                </p:cTn>
+                              </p:par>
+                            </p:childTnLst>
+                          </p:cTn>
+                        </p:par>
+                      </p:childTnLst>
+                    </p:cTn>
+                  </p:par>
+                  <p:par>
+                    <p:cTn id="24" fill="hold">
+                      <p:stCondLst>
+                        <p:cond delay="indefinite"/>
+                      </p:stCondLst>
+                      <p:childTnLst>
+                        <p:par>
+                          <p:cTn id="25" fill="hold">
+                            <p:stCondLst>
+                              <p:cond delay="0"/>
+                            </p:stCondLst>
+                            <p:childTnLst>
+                              <p:par>
+                                <p:cTn id="26" presetID="10" presetClass="entr" presetSubtype="0" fill="hold" nodeType="clickEffect">
+                                  <p:stCondLst>
+                                    <p:cond delay="0"/>
+                                  </p:stCondLst>
+                                  <p:childTnLst>
+                                    <p:set>
+                                      <p:cBhvr>
+                                        <p:cTn id="27" dur="1" fill="hold">
+                                          <p:stCondLst>
+                                            <p:cond delay="0"/>
+                                          </p:stCondLst>
+                                        </p:cTn>
+                                        <p:tgtEl>
+                                          <p:spTgt spid="6"/>
+                                        </p:tgtEl>
+                                        <p:attrNameLst>
+                                          <p:attrName>style.visibility</p:attrName>
+                                        </p:attrNameLst>
+                                      </p:cBhvr>
+                                      <p:to>
+                                        <p:strVal val="visible"/>
+                                      </p:to>
+                                    </p:set>
+                                    <p:animEffect transition="in" filter="fade">
+                                      <p:cBhvr>
+                                        <p:cTn id="28" dur="500"/>
+                                        <p:tgtEl>
+                                          <p:spTgt spid="6"/>
+                                        </p:tgtEl>
+                                      </p:cBhvr>
+                                    </p:animEffect>
+                                  </p:childTnLst>
+                                </p:cTn>
+                              </p:par>
+                            </p:childTnLst>
+                          </p:cTn>
+                        </p:par>
+                      </p:childTnLst>
+                    </p:cTn>
+                  </p:par>
+                </p:childTnLst>
+              </p:cTn>
+              <p:prevCondLst>
+                <p:cond evt="onPrev" delay="0">
+                  <p:tgtEl>
+                    <p:sldTgt/>
+                  </p:tgtEl>
+                </p:cond>
+              </p:prevCondLst>
+              <p:nextCondLst>
+                <p:cond evt="onNext" delay="0">
+                  <p:tgtEl>
+                    <p:sldTgt/>
+                  </p:tgtEl>
+                </p:cond>
+              </p:nextCondLst>
+            </p:seq>
+          </p:childTnLst>
+        </p:cTn>
       </p:par>
     </p:tnLst>
   </p:timing>
@@ -8546,10 +8842,9 @@
           <a:lstStyle/>
           <a:p>
             <a:r>
-              <a:rPr lang="zh-CN" altLang="en-US" dirty="0" smtClean="0"/>
+              <a:rPr lang="zh-CN" altLang="en-US" dirty="0"/>
               <a:t>高阶物料延迟</a:t>
             </a:r>
-            <a:endParaRPr lang="zh-CN" altLang="en-US" dirty="0"/>
           </a:p>
         </p:txBody>
       </p:sp>
@@ -8578,13 +8873,8 @@
             </a:pPr>
             <a:r>
               <a:rPr lang="zh-CN" altLang="en-US" dirty="0"/>
-              <a:t>一</a:t>
-            </a:r>
-            <a:r>
-              <a:rPr lang="zh-CN" altLang="en-US" dirty="0" smtClean="0"/>
-              <a:t>阶物料延迟的出流量导入下一个存量中</a:t>
-            </a:r>
-            <a:endParaRPr lang="zh-CN" altLang="en-US" dirty="0"/>
+              <a:t>一阶物料延迟的出流量导入下一个存量中</a:t>
+            </a:r>
           </a:p>
         </p:txBody>
       </p:sp>
@@ -8705,8 +8995,8 @@
         </p:nvSpPr>
         <p:spPr>
           <a:xfrm>
-            <a:off x="1549055" y="3356992"/>
-            <a:ext cx="3401765" cy="2086725"/>
+            <a:off x="1352325" y="3284984"/>
+            <a:ext cx="4473084" cy="2702919"/>
           </a:xfrm>
           <a:prstGeom prst="rect">
             <a:avLst/>
@@ -8725,7 +9015,7 @@
               </a:lnSpc>
             </a:pPr>
             <a:r>
-              <a:rPr lang="en-US" altLang="zh-CN" dirty="0" smtClean="0">
+              <a:rPr lang="en-US" altLang="zh-CN" sz="2400" dirty="0">
                 <a:solidFill>
                   <a:srgbClr val="7030A0"/>
                 </a:solidFill>
@@ -8740,7 +9030,7 @@
               </a:lnSpc>
             </a:pPr>
             <a:r>
-              <a:rPr lang="en-US" altLang="zh-CN" dirty="0" smtClean="0">
+              <a:rPr lang="en-US" altLang="zh-CN" sz="2400" dirty="0">
                 <a:solidFill>
                   <a:srgbClr val="7030A0"/>
                 </a:solidFill>
@@ -8755,7 +9045,7 @@
               </a:lnSpc>
             </a:pPr>
             <a:r>
-              <a:rPr lang="en-US" altLang="zh-CN" dirty="0" smtClean="0">
+              <a:rPr lang="en-US" altLang="zh-CN" sz="2400" dirty="0">
                 <a:solidFill>
                   <a:srgbClr val="7030A0"/>
                 </a:solidFill>
@@ -8770,7 +9060,7 @@
               </a:lnSpc>
             </a:pPr>
             <a:r>
-              <a:rPr lang="en-US" altLang="zh-CN" dirty="0" smtClean="0">
+              <a:rPr lang="en-US" altLang="zh-CN" sz="2400" dirty="0">
                 <a:solidFill>
                   <a:srgbClr val="7030A0"/>
                 </a:solidFill>
@@ -8785,7 +9075,7 @@
               </a:lnSpc>
             </a:pPr>
             <a:r>
-              <a:rPr lang="en-US" altLang="zh-CN" dirty="0" smtClean="0">
+              <a:rPr lang="en-US" altLang="zh-CN" sz="2400" dirty="0">
                 <a:solidFill>
                   <a:srgbClr val="7030A0"/>
                 </a:solidFill>
@@ -8800,14 +9090,14 @@
               </a:lnSpc>
             </a:pPr>
             <a:r>
-              <a:rPr lang="en-US" altLang="zh-CN" dirty="0" smtClean="0">
+              <a:rPr lang="en-US" altLang="zh-CN" sz="2400" dirty="0">
                 <a:solidFill>
                   <a:srgbClr val="7030A0"/>
                 </a:solidFill>
               </a:rPr>
               <a:t>OUTFLOW=LEV3/DL</a:t>
             </a:r>
-            <a:endParaRPr lang="zh-CN" altLang="en-US" dirty="0">
+            <a:endParaRPr lang="zh-CN" altLang="en-US" sz="2400" dirty="0">
               <a:solidFill>
                 <a:srgbClr val="7030A0"/>
               </a:solidFill>
@@ -8840,9 +9130,255 @@
   <p:timing>
     <p:tnLst>
       <p:par>
-        <p:cTn id="1" dur="indefinite" restart="never" nodeType="tmRoot"/>
+        <p:cTn id="1" dur="indefinite" restart="never" nodeType="tmRoot">
+          <p:childTnLst>
+            <p:seq concurrent="1" nextAc="seek">
+              <p:cTn id="2" dur="indefinite" nodeType="mainSeq">
+                <p:childTnLst>
+                  <p:par>
+                    <p:cTn id="3" fill="hold">
+                      <p:stCondLst>
+                        <p:cond delay="indefinite"/>
+                      </p:stCondLst>
+                      <p:childTnLst>
+                        <p:par>
+                          <p:cTn id="4" fill="hold">
+                            <p:stCondLst>
+                              <p:cond delay="0"/>
+                            </p:stCondLst>
+                            <p:childTnLst>
+                              <p:par>
+                                <p:cTn id="5" presetID="10" presetClass="entr" presetSubtype="0" fill="hold" nodeType="clickEffect">
+                                  <p:stCondLst>
+                                    <p:cond delay="0"/>
+                                  </p:stCondLst>
+                                  <p:childTnLst>
+                                    <p:set>
+                                      <p:cBhvr>
+                                        <p:cTn id="6" dur="1" fill="hold">
+                                          <p:stCondLst>
+                                            <p:cond delay="0"/>
+                                          </p:stCondLst>
+                                        </p:cTn>
+                                        <p:tgtEl>
+                                          <p:spTgt spid="6"/>
+                                        </p:tgtEl>
+                                        <p:attrNameLst>
+                                          <p:attrName>style.visibility</p:attrName>
+                                        </p:attrNameLst>
+                                      </p:cBhvr>
+                                      <p:to>
+                                        <p:strVal val="visible"/>
+                                      </p:to>
+                                    </p:set>
+                                    <p:animEffect transition="in" filter="fade">
+                                      <p:cBhvr>
+                                        <p:cTn id="7" dur="500"/>
+                                        <p:tgtEl>
+                                          <p:spTgt spid="6"/>
+                                        </p:tgtEl>
+                                      </p:cBhvr>
+                                    </p:animEffect>
+                                  </p:childTnLst>
+                                </p:cTn>
+                              </p:par>
+                            </p:childTnLst>
+                          </p:cTn>
+                        </p:par>
+                      </p:childTnLst>
+                    </p:cTn>
+                  </p:par>
+                  <p:par>
+                    <p:cTn id="8" fill="hold">
+                      <p:stCondLst>
+                        <p:cond delay="indefinite"/>
+                      </p:stCondLst>
+                      <p:childTnLst>
+                        <p:par>
+                          <p:cTn id="9" fill="hold">
+                            <p:stCondLst>
+                              <p:cond delay="0"/>
+                            </p:stCondLst>
+                            <p:childTnLst>
+                              <p:par>
+                                <p:cTn id="10" presetID="10" presetClass="entr" presetSubtype="0" fill="hold" nodeType="clickEffect">
+                                  <p:stCondLst>
+                                    <p:cond delay="0"/>
+                                  </p:stCondLst>
+                                  <p:childTnLst>
+                                    <p:set>
+                                      <p:cBhvr>
+                                        <p:cTn id="11" dur="1" fill="hold">
+                                          <p:stCondLst>
+                                            <p:cond delay="0"/>
+                                          </p:stCondLst>
+                                        </p:cTn>
+                                        <p:tgtEl>
+                                          <p:spTgt spid="3">
+                                            <p:txEl>
+                                              <p:pRg st="0" end="0"/>
+                                            </p:txEl>
+                                          </p:spTgt>
+                                        </p:tgtEl>
+                                        <p:attrNameLst>
+                                          <p:attrName>style.visibility</p:attrName>
+                                        </p:attrNameLst>
+                                      </p:cBhvr>
+                                      <p:to>
+                                        <p:strVal val="visible"/>
+                                      </p:to>
+                                    </p:set>
+                                    <p:animEffect transition="in" filter="fade">
+                                      <p:cBhvr>
+                                        <p:cTn id="12" dur="500"/>
+                                        <p:tgtEl>
+                                          <p:spTgt spid="3">
+                                            <p:txEl>
+                                              <p:pRg st="0" end="0"/>
+                                            </p:txEl>
+                                          </p:spTgt>
+                                        </p:tgtEl>
+                                      </p:cBhvr>
+                                    </p:animEffect>
+                                  </p:childTnLst>
+                                </p:cTn>
+                              </p:par>
+                            </p:childTnLst>
+                          </p:cTn>
+                        </p:par>
+                      </p:childTnLst>
+                    </p:cTn>
+                  </p:par>
+                  <p:par>
+                    <p:cTn id="13" fill="hold">
+                      <p:stCondLst>
+                        <p:cond delay="indefinite"/>
+                      </p:stCondLst>
+                      <p:childTnLst>
+                        <p:par>
+                          <p:cTn id="14" fill="hold">
+                            <p:stCondLst>
+                              <p:cond delay="0"/>
+                            </p:stCondLst>
+                            <p:childTnLst>
+                              <p:par>
+                                <p:cTn id="15" presetID="10" presetClass="entr" presetSubtype="0" fill="hold" nodeType="clickEffect">
+                                  <p:stCondLst>
+                                    <p:cond delay="0"/>
+                                  </p:stCondLst>
+                                  <p:childTnLst>
+                                    <p:set>
+                                      <p:cBhvr>
+                                        <p:cTn id="16" dur="1" fill="hold">
+                                          <p:stCondLst>
+                                            <p:cond delay="0"/>
+                                          </p:stCondLst>
+                                        </p:cTn>
+                                        <p:tgtEl>
+                                          <p:spTgt spid="7"/>
+                                        </p:tgtEl>
+                                        <p:attrNameLst>
+                                          <p:attrName>style.visibility</p:attrName>
+                                        </p:attrNameLst>
+                                      </p:cBhvr>
+                                      <p:to>
+                                        <p:strVal val="visible"/>
+                                      </p:to>
+                                    </p:set>
+                                    <p:animEffect transition="in" filter="fade">
+                                      <p:cBhvr>
+                                        <p:cTn id="17" dur="500"/>
+                                        <p:tgtEl>
+                                          <p:spTgt spid="7"/>
+                                        </p:tgtEl>
+                                      </p:cBhvr>
+                                    </p:animEffect>
+                                  </p:childTnLst>
+                                </p:cTn>
+                              </p:par>
+                            </p:childTnLst>
+                          </p:cTn>
+                        </p:par>
+                      </p:childTnLst>
+                    </p:cTn>
+                  </p:par>
+                  <p:par>
+                    <p:cTn id="18" fill="hold">
+                      <p:stCondLst>
+                        <p:cond delay="indefinite"/>
+                      </p:stCondLst>
+                      <p:childTnLst>
+                        <p:par>
+                          <p:cTn id="19" fill="hold">
+                            <p:stCondLst>
+                              <p:cond delay="0"/>
+                            </p:stCondLst>
+                            <p:childTnLst>
+                              <p:par>
+                                <p:cTn id="20" presetID="10" presetClass="entr" presetSubtype="0" fill="hold" grpId="0" nodeType="clickEffect">
+                                  <p:stCondLst>
+                                    <p:cond delay="0"/>
+                                  </p:stCondLst>
+                                  <p:childTnLst>
+                                    <p:set>
+                                      <p:cBhvr>
+                                        <p:cTn id="21" dur="1" fill="hold">
+                                          <p:stCondLst>
+                                            <p:cond delay="0"/>
+                                          </p:stCondLst>
+                                        </p:cTn>
+                                        <p:tgtEl>
+                                          <p:spTgt spid="8"/>
+                                        </p:tgtEl>
+                                        <p:attrNameLst>
+                                          <p:attrName>style.visibility</p:attrName>
+                                        </p:attrNameLst>
+                                      </p:cBhvr>
+                                      <p:to>
+                                        <p:strVal val="visible"/>
+                                      </p:to>
+                                    </p:set>
+                                    <p:animEffect transition="in" filter="fade">
+                                      <p:cBhvr>
+                                        <p:cTn id="22" dur="500"/>
+                                        <p:tgtEl>
+                                          <p:spTgt spid="8"/>
+                                        </p:tgtEl>
+                                      </p:cBhvr>
+                                    </p:animEffect>
+                                  </p:childTnLst>
+                                </p:cTn>
+                              </p:par>
+                            </p:childTnLst>
+                          </p:cTn>
+                        </p:par>
+                      </p:childTnLst>
+                    </p:cTn>
+                  </p:par>
+                </p:childTnLst>
+              </p:cTn>
+              <p:prevCondLst>
+                <p:cond evt="onPrev" delay="0">
+                  <p:tgtEl>
+                    <p:sldTgt/>
+                  </p:tgtEl>
+                </p:cond>
+              </p:prevCondLst>
+              <p:nextCondLst>
+                <p:cond evt="onNext" delay="0">
+                  <p:tgtEl>
+                    <p:sldTgt/>
+                  </p:tgtEl>
+                </p:cond>
+              </p:nextCondLst>
+            </p:seq>
+          </p:childTnLst>
+        </p:cTn>
       </p:par>
     </p:tnLst>
+    <p:bldLst>
+      <p:bldP spid="8" grpId="0"/>
+    </p:bldLst>
   </p:timing>
 </p:sld>
 </file>
@@ -8864,38 +9400,9 @@
           <a:chExt cx="0" cy="0"/>
         </a:xfrm>
       </p:grpSpPr>
-      <p:sp>
-        <p:nvSpPr>
-          <p:cNvPr id="2" name="标题 1"/>
-          <p:cNvSpPr>
-            <a:spLocks noGrp="1"/>
-          </p:cNvSpPr>
-          <p:nvPr>
-            <p:ph type="title"/>
-          </p:nvPr>
-        </p:nvSpPr>
-        <p:spPr>
-          <a:xfrm>
-            <a:off x="1593436" y="177801"/>
-            <a:ext cx="9782801" cy="514896"/>
-          </a:xfrm>
-        </p:spPr>
-        <p:txBody>
-          <a:bodyPr>
-            <a:normAutofit fontScale="90000"/>
-          </a:bodyPr>
-          <a:lstStyle/>
-          <a:p>
-            <a:r>
-              <a:rPr lang="zh-CN" altLang="en-US" dirty="0"/>
-              <a:t>高阶物料延迟</a:t>
-            </a:r>
-          </a:p>
-        </p:txBody>
-      </p:sp>
       <p:pic>
         <p:nvPicPr>
-          <p:cNvPr id="4" name="图片 3"/>
+          <p:cNvPr id="6" name="图片 5"/>
           <p:cNvPicPr>
             <a:picLocks noChangeAspect="1"/>
           </p:cNvPicPr>
@@ -8909,8 +9416,8 @@
         </p:blipFill>
         <p:spPr>
           <a:xfrm>
-            <a:off x="765820" y="177801"/>
-            <a:ext cx="10152002" cy="3129121"/>
+            <a:off x="5328111" y="2708920"/>
+            <a:ext cx="6834257" cy="4149081"/>
           </a:xfrm>
           <a:prstGeom prst="rect">
             <a:avLst/>
@@ -8919,125 +9426,36 @@
       </p:pic>
       <p:sp>
         <p:nvSpPr>
-          <p:cNvPr id="5" name="文本框 4"/>
-          <p:cNvSpPr txBox="1"/>
-          <p:nvPr/>
+          <p:cNvPr id="2" name="标题 1"/>
+          <p:cNvSpPr>
+            <a:spLocks noGrp="1"/>
+          </p:cNvSpPr>
+          <p:nvPr>
+            <p:ph type="title"/>
+          </p:nvPr>
         </p:nvSpPr>
         <p:spPr>
           <a:xfrm>
-            <a:off x="1549055" y="3356992"/>
-            <a:ext cx="3401765" cy="2086725"/>
+            <a:off x="1593436" y="177801"/>
+            <a:ext cx="9782801" cy="514896"/>
           </a:xfrm>
-          <a:prstGeom prst="rect">
-            <a:avLst/>
-          </a:prstGeom>
-          <a:noFill/>
         </p:spPr>
         <p:txBody>
-          <a:bodyPr wrap="none" rtlCol="0">
-            <a:spAutoFit/>
+          <a:bodyPr>
+            <a:normAutofit fontScale="90000"/>
           </a:bodyPr>
           <a:lstStyle/>
           <a:p>
-            <a:pPr>
-              <a:lnSpc>
-                <a:spcPct val="120000"/>
-              </a:lnSpc>
-            </a:pPr>
-            <a:r>
-              <a:rPr lang="en-US" altLang="zh-CN" dirty="0" smtClean="0">
-                <a:solidFill>
-                  <a:srgbClr val="7030A0"/>
-                </a:solidFill>
-              </a:rPr>
-              <a:t>LEV1=INTEG(INFLOW-RT1,0)</a:t>
-            </a:r>
-          </a:p>
-          <a:p>
-            <a:pPr>
-              <a:lnSpc>
-                <a:spcPct val="120000"/>
-              </a:lnSpc>
-            </a:pPr>
-            <a:r>
-              <a:rPr lang="en-US" altLang="zh-CN" dirty="0" smtClean="0">
-                <a:solidFill>
-                  <a:srgbClr val="7030A0"/>
-                </a:solidFill>
-              </a:rPr>
-              <a:t>RT1=LEV1/DL</a:t>
-            </a:r>
-          </a:p>
-          <a:p>
-            <a:pPr>
-              <a:lnSpc>
-                <a:spcPct val="120000"/>
-              </a:lnSpc>
-            </a:pPr>
-            <a:r>
-              <a:rPr lang="en-US" altLang="zh-CN" dirty="0" smtClean="0">
-                <a:solidFill>
-                  <a:srgbClr val="7030A0"/>
-                </a:solidFill>
-              </a:rPr>
-              <a:t>LEV2=INTEG(RT1-RT2,0)</a:t>
-            </a:r>
-          </a:p>
-          <a:p>
-            <a:pPr>
-              <a:lnSpc>
-                <a:spcPct val="120000"/>
-              </a:lnSpc>
-            </a:pPr>
-            <a:r>
-              <a:rPr lang="en-US" altLang="zh-CN" dirty="0" smtClean="0">
-                <a:solidFill>
-                  <a:srgbClr val="7030A0"/>
-                </a:solidFill>
-              </a:rPr>
-              <a:t>RT2=LEV2/DL</a:t>
-            </a:r>
-          </a:p>
-          <a:p>
-            <a:pPr>
-              <a:lnSpc>
-                <a:spcPct val="120000"/>
-              </a:lnSpc>
-            </a:pPr>
-            <a:r>
-              <a:rPr lang="en-US" altLang="zh-CN" dirty="0" smtClean="0">
-                <a:solidFill>
-                  <a:srgbClr val="7030A0"/>
-                </a:solidFill>
-              </a:rPr>
-              <a:t>LEV3=INTEG(RT2-OUTFLOW,0)</a:t>
-            </a:r>
-          </a:p>
-          <a:p>
-            <a:pPr>
-              <a:lnSpc>
-                <a:spcPct val="120000"/>
-              </a:lnSpc>
-            </a:pPr>
-            <a:r>
-              <a:rPr lang="en-US" altLang="zh-CN" dirty="0" smtClean="0">
-                <a:solidFill>
-                  <a:srgbClr val="7030A0"/>
-                </a:solidFill>
-              </a:rPr>
-              <a:t>OUTFLOW=LEV3/DL</a:t>
-            </a:r>
-            <a:endParaRPr lang="zh-CN" altLang="en-US" dirty="0">
-              <a:solidFill>
-                <a:srgbClr val="7030A0"/>
-              </a:solidFill>
-            </a:endParaRPr>
+            <a:r>
+              <a:rPr lang="zh-CN" altLang="en-US" dirty="0"/>
+              <a:t>三阶物料延迟</a:t>
+            </a:r>
           </a:p>
         </p:txBody>
       </p:sp>
       <p:pic>
         <p:nvPicPr>
-          <p:cNvPr id="6" name="图片 5"/>
+          <p:cNvPr id="4" name="图片 3"/>
           <p:cNvPicPr>
             <a:picLocks noChangeAspect="1"/>
           </p:cNvPicPr>
@@ -9051,14 +9469,132 @@
         </p:blipFill>
         <p:spPr>
           <a:xfrm>
-            <a:off x="5841821" y="2996952"/>
-            <a:ext cx="6184552" cy="3754645"/>
+            <a:off x="621804" y="227871"/>
+            <a:ext cx="10152002" cy="3129121"/>
           </a:xfrm>
           <a:prstGeom prst="rect">
             <a:avLst/>
           </a:prstGeom>
         </p:spPr>
       </p:pic>
+      <p:sp>
+        <p:nvSpPr>
+          <p:cNvPr id="5" name="文本框 4"/>
+          <p:cNvSpPr txBox="1"/>
+          <p:nvPr/>
+        </p:nvSpPr>
+        <p:spPr>
+          <a:xfrm>
+            <a:off x="1269876" y="3140968"/>
+            <a:ext cx="4473084" cy="2702919"/>
+          </a:xfrm>
+          <a:prstGeom prst="rect">
+            <a:avLst/>
+          </a:prstGeom>
+          <a:noFill/>
+        </p:spPr>
+        <p:txBody>
+          <a:bodyPr wrap="none" rtlCol="0">
+            <a:spAutoFit/>
+          </a:bodyPr>
+          <a:lstStyle/>
+          <a:p>
+            <a:pPr>
+              <a:lnSpc>
+                <a:spcPct val="120000"/>
+              </a:lnSpc>
+            </a:pPr>
+            <a:r>
+              <a:rPr lang="en-US" altLang="zh-CN" sz="2400" dirty="0">
+                <a:solidFill>
+                  <a:srgbClr val="7030A0"/>
+                </a:solidFill>
+              </a:rPr>
+              <a:t>LEV1=INTEG(INFLOW-RT1,0)</a:t>
+            </a:r>
+          </a:p>
+          <a:p>
+            <a:pPr>
+              <a:lnSpc>
+                <a:spcPct val="120000"/>
+              </a:lnSpc>
+            </a:pPr>
+            <a:r>
+              <a:rPr lang="en-US" altLang="zh-CN" sz="2400" dirty="0">
+                <a:solidFill>
+                  <a:srgbClr val="7030A0"/>
+                </a:solidFill>
+              </a:rPr>
+              <a:t>RT1=LEV1/DL</a:t>
+            </a:r>
+          </a:p>
+          <a:p>
+            <a:pPr>
+              <a:lnSpc>
+                <a:spcPct val="120000"/>
+              </a:lnSpc>
+            </a:pPr>
+            <a:r>
+              <a:rPr lang="en-US" altLang="zh-CN" sz="2400" dirty="0">
+                <a:solidFill>
+                  <a:srgbClr val="7030A0"/>
+                </a:solidFill>
+              </a:rPr>
+              <a:t>LEV2=INTEG(RT1-RT2,0)</a:t>
+            </a:r>
+          </a:p>
+          <a:p>
+            <a:pPr>
+              <a:lnSpc>
+                <a:spcPct val="120000"/>
+              </a:lnSpc>
+            </a:pPr>
+            <a:r>
+              <a:rPr lang="en-US" altLang="zh-CN" sz="2400" dirty="0">
+                <a:solidFill>
+                  <a:srgbClr val="7030A0"/>
+                </a:solidFill>
+              </a:rPr>
+              <a:t>RT2=LEV2/DL</a:t>
+            </a:r>
+          </a:p>
+          <a:p>
+            <a:pPr>
+              <a:lnSpc>
+                <a:spcPct val="120000"/>
+              </a:lnSpc>
+            </a:pPr>
+            <a:r>
+              <a:rPr lang="en-US" altLang="zh-CN" sz="2400" dirty="0">
+                <a:solidFill>
+                  <a:srgbClr val="7030A0"/>
+                </a:solidFill>
+              </a:rPr>
+              <a:t>LEV3=INTEG(RT2-OUTFLOW,0)</a:t>
+            </a:r>
+          </a:p>
+          <a:p>
+            <a:pPr>
+              <a:lnSpc>
+                <a:spcPct val="120000"/>
+              </a:lnSpc>
+            </a:pPr>
+            <a:r>
+              <a:rPr lang="en-US" altLang="zh-CN" sz="2400" dirty="0">
+                <a:solidFill>
+                  <a:srgbClr val="7030A0"/>
+                </a:solidFill>
+              </a:rPr>
+              <a:t>OUTFLOW=LEV3/DL</a:t>
+            </a:r>
+            <a:endParaRPr lang="zh-CN" altLang="en-US" sz="2400" dirty="0">
+              <a:solidFill>
+                <a:srgbClr val="7030A0"/>
+              </a:solidFill>
+            </a:endParaRPr>
+          </a:p>
+        </p:txBody>
+      </p:sp>
     </p:spTree>
     <p:extLst>
       <p:ext uri="{BB962C8B-B14F-4D97-AF65-F5344CB8AC3E}">
@@ -9084,9 +9620,141 @@
   <p:timing>
     <p:tnLst>
       <p:par>
-        <p:cTn id="1" dur="indefinite" restart="never" nodeType="tmRoot"/>
+        <p:cTn id="1" dur="indefinite" restart="never" nodeType="tmRoot">
+          <p:childTnLst>
+            <p:seq concurrent="1" nextAc="seek">
+              <p:cTn id="2" dur="indefinite" nodeType="mainSeq">
+                <p:childTnLst>
+                  <p:par>
+                    <p:cTn id="3" fill="hold">
+                      <p:stCondLst>
+                        <p:cond delay="indefinite"/>
+                      </p:stCondLst>
+                      <p:childTnLst>
+                        <p:par>
+                          <p:cTn id="4" fill="hold">
+                            <p:stCondLst>
+                              <p:cond delay="0"/>
+                            </p:stCondLst>
+                            <p:childTnLst>
+                              <p:par>
+                                <p:cTn id="5" presetID="10" presetClass="entr" presetSubtype="0" fill="hold" nodeType="clickEffect">
+                                  <p:stCondLst>
+                                    <p:cond delay="0"/>
+                                  </p:stCondLst>
+                                  <p:childTnLst>
+                                    <p:set>
+                                      <p:cBhvr>
+                                        <p:cTn id="6" dur="1" fill="hold">
+                                          <p:stCondLst>
+                                            <p:cond delay="0"/>
+                                          </p:stCondLst>
+                                        </p:cTn>
+                                        <p:tgtEl>
+                                          <p:spTgt spid="4"/>
+                                        </p:tgtEl>
+                                        <p:attrNameLst>
+                                          <p:attrName>style.visibility</p:attrName>
+                                        </p:attrNameLst>
+                                      </p:cBhvr>
+                                      <p:to>
+                                        <p:strVal val="visible"/>
+                                      </p:to>
+                                    </p:set>
+                                    <p:animEffect transition="in" filter="fade">
+                                      <p:cBhvr>
+                                        <p:cTn id="7" dur="500"/>
+                                        <p:tgtEl>
+                                          <p:spTgt spid="4"/>
+                                        </p:tgtEl>
+                                      </p:cBhvr>
+                                    </p:animEffect>
+                                  </p:childTnLst>
+                                </p:cTn>
+                              </p:par>
+                            </p:childTnLst>
+                          </p:cTn>
+                        </p:par>
+                      </p:childTnLst>
+                    </p:cTn>
+                  </p:par>
+                  <p:par>
+                    <p:cTn id="8" fill="hold">
+                      <p:stCondLst>
+                        <p:cond delay="indefinite"/>
+                      </p:stCondLst>
+                      <p:childTnLst>
+                        <p:par>
+                          <p:cTn id="9" fill="hold">
+                            <p:stCondLst>
+                              <p:cond delay="0"/>
+                            </p:stCondLst>
+                            <p:childTnLst>
+                              <p:par>
+                                <p:cTn id="10" presetID="10" presetClass="entr" presetSubtype="0" fill="hold" grpId="0" nodeType="clickEffect">
+                                  <p:stCondLst>
+                                    <p:cond delay="0"/>
+                                  </p:stCondLst>
+                                  <p:childTnLst>
+                                    <p:set>
+                                      <p:cBhvr>
+                                        <p:cTn id="11" dur="1" fill="hold">
+                                          <p:stCondLst>
+                                            <p:cond delay="0"/>
+                                          </p:stCondLst>
+                                        </p:cTn>
+                                        <p:tgtEl>
+                                          <p:spTgt spid="5"/>
+                                        </p:tgtEl>
+                                        <p:attrNameLst>
+                                          <p:attrName>style.visibility</p:attrName>
+                                        </p:attrNameLst>
+                                      </p:cBhvr>
+                                      <p:to>
+                                        <p:strVal val="visible"/>
+                                      </p:to>
+                                    </p:set>
+                                    <p:animEffect transition="in" filter="fade">
+                                      <p:cBhvr>
+                                        <p:cTn id="12" dur="500"/>
+                                        <p:tgtEl>
+                                          <p:spTgt spid="5"/>
+                                        </p:tgtEl>
+                                      </p:cBhvr>
+                                    </p:animEffect>
+                                  </p:childTnLst>
+                                </p:cTn>
+                              </p:par>
+                            </p:childTnLst>
+                          </p:cTn>
+                        </p:par>
+                      </p:childTnLst>
+                    </p:cTn>
+                  </p:par>
+                </p:childTnLst>
+              </p:cTn>
+              <p:prevCondLst>
+                <p:cond evt="onPrev" delay="0">
+                  <p:tgtEl>
+                    <p:sldTgt/>
+                  </p:tgtEl>
+                </p:cond>
+              </p:prevCondLst>
+              <p:nextCondLst>
+                <p:cond evt="onNext" delay="0">
+                  <p:tgtEl>
+                    <p:sldTgt/>
+                  </p:tgtEl>
+                </p:cond>
+              </p:nextCondLst>
+            </p:seq>
+          </p:childTnLst>
+        </p:cTn>
       </p:par>
     </p:tnLst>
+    <p:bldLst>
+      <p:bldP spid="5" grpId="0"/>
+    </p:bldLst>
   </p:timing>
 </p:sld>
 </file>
@@ -9149,11 +9817,11 @@
               <a:buNone/>
             </a:pPr>
             <a:r>
-              <a:rPr lang="zh-CN" altLang="en-US" dirty="0" smtClean="0"/>
+              <a:rPr lang="zh-CN" altLang="en-US" dirty="0"/>
               <a:t>测试函数：</a:t>
             </a:r>
             <a:r>
-              <a:rPr lang="en-US" altLang="zh-CN" dirty="0" smtClean="0"/>
+              <a:rPr lang="en-US" altLang="zh-CN" dirty="0"/>
               <a:t>PULSE(10,1)*100</a:t>
             </a:r>
             <a:endParaRPr lang="zh-CN" altLang="en-US" dirty="0"/>
@@ -9527,18 +10195,17 @@
           <a:lstStyle/>
           <a:p>
             <a:r>
-              <a:rPr lang="zh-CN" altLang="en-US" dirty="0" smtClean="0"/>
+              <a:rPr lang="zh-CN" altLang="en-US" dirty="0"/>
               <a:t>供给线中的积存</a:t>
             </a:r>
             <a:r>
-              <a:rPr lang="en-US" altLang="zh-CN" dirty="0" smtClean="0"/>
+              <a:rPr lang="en-US" altLang="zh-CN" dirty="0"/>
               <a:t>——LITTLE</a:t>
             </a:r>
             <a:r>
-              <a:rPr lang="zh-CN" altLang="en-US" dirty="0" smtClean="0"/>
+              <a:rPr lang="zh-CN" altLang="en-US" dirty="0"/>
               <a:t>法则</a:t>
             </a:r>
-            <a:endParaRPr lang="zh-CN" altLang="en-US" dirty="0"/>
           </a:p>
         </p:txBody>
       </p:sp>
@@ -9561,26 +10228,26 @@
               <a:buNone/>
             </a:pPr>
             <a:r>
-              <a:rPr lang="zh-CN" altLang="en-US" dirty="0" smtClean="0"/>
+              <a:rPr lang="zh-CN" altLang="en-US" dirty="0"/>
               <a:t>令</a:t>
             </a:r>
             <a:r>
-              <a:rPr lang="en-US" altLang="zh-CN" dirty="0" smtClean="0"/>
+              <a:rPr lang="en-US" altLang="zh-CN" dirty="0"/>
               <a:t>I</a:t>
             </a:r>
             <a:r>
-              <a:rPr lang="zh-CN" altLang="en-US" dirty="0" smtClean="0"/>
+              <a:rPr lang="zh-CN" altLang="en-US" dirty="0"/>
               <a:t>为输入，</a:t>
             </a:r>
             <a:r>
-              <a:rPr lang="en-US" altLang="zh-CN" dirty="0" smtClean="0"/>
+              <a:rPr lang="en-US" altLang="zh-CN" dirty="0"/>
               <a:t>O</a:t>
             </a:r>
             <a:r>
-              <a:rPr lang="zh-CN" altLang="en-US" dirty="0" smtClean="0"/>
+              <a:rPr lang="zh-CN" altLang="en-US" dirty="0"/>
               <a:t>为输出，</a:t>
             </a:r>
-            <a:endParaRPr lang="en-US" altLang="zh-CN" dirty="0" smtClean="0"/>
+            <a:endParaRPr lang="en-US" altLang="zh-CN" dirty="0"/>
           </a:p>
           <a:p>
             <a:pPr marL="0" indent="0">
@@ -9588,13 +10255,9 @@
             </a:pPr>
             <a:r>
               <a:rPr lang="zh-CN" altLang="en-US" dirty="0"/>
-              <a:t>考虑</a:t>
-            </a:r>
-            <a:r>
-              <a:rPr lang="zh-CN" altLang="en-US" dirty="0" smtClean="0"/>
-              <a:t>管道延迟，则输入输出的关系为</a:t>
-            </a:r>
-            <a:endParaRPr lang="en-US" altLang="zh-CN" dirty="0" smtClean="0"/>
+              <a:t>考虑管道延迟，则输入输出的关系为</a:t>
+            </a:r>
+            <a:endParaRPr lang="en-US" altLang="zh-CN" dirty="0"/>
           </a:p>
           <a:p>
             <a:pPr marL="0" indent="0">
@@ -9602,18 +10265,14 @@
             </a:pPr>
             <a:r>
               <a:rPr lang="zh-CN" altLang="en-US" dirty="0"/>
-              <a:t>供给</a:t>
-            </a:r>
-            <a:r>
-              <a:rPr lang="zh-CN" altLang="en-US" dirty="0" smtClean="0"/>
-              <a:t>线上积存的物料数量为</a:t>
-            </a:r>
-            <a:r>
-              <a:rPr lang="en-US" altLang="zh-CN" dirty="0" smtClean="0"/>
+              <a:t>供给线上积存的物料数量为</a:t>
+            </a:r>
+            <a:r>
+              <a:rPr lang="en-US" altLang="zh-CN" dirty="0"/>
               <a:t>DI</a:t>
             </a:r>
             <a:r>
-              <a:rPr lang="zh-CN" altLang="en-US" dirty="0" smtClean="0"/>
+              <a:rPr lang="zh-CN" altLang="en-US" dirty="0"/>
               <a:t>，即延迟时间与单位时间输入量的乘积</a:t>
             </a:r>
             <a:endParaRPr lang="en-US" altLang="zh-CN" dirty="0"/>
@@ -9624,46 +10283,42 @@
             </a:pPr>
             <a:r>
               <a:rPr lang="zh-CN" altLang="en-US" dirty="0"/>
-              <a:t>考虑一阶物料延迟</a:t>
-            </a:r>
-            <a:r>
-              <a:rPr lang="zh-CN" altLang="en-US" dirty="0" smtClean="0"/>
-              <a:t>，则</a:t>
-            </a:r>
-            <a:r>
-              <a:rPr lang="en-US" altLang="zh-CN" dirty="0" smtClean="0"/>
+              <a:t>考虑一阶物料延迟，则</a:t>
+            </a:r>
+            <a:r>
+              <a:rPr lang="en-US" altLang="zh-CN" dirty="0"/>
               <a:t>O</a:t>
             </a:r>
             <a:r>
-              <a:rPr lang="zh-CN" altLang="en-US" dirty="0" smtClean="0"/>
+              <a:rPr lang="zh-CN" altLang="en-US" dirty="0"/>
               <a:t>（</a:t>
             </a:r>
             <a:r>
-              <a:rPr lang="en-US" altLang="zh-CN" dirty="0" smtClean="0"/>
+              <a:rPr lang="en-US" altLang="zh-CN" dirty="0"/>
               <a:t>t</a:t>
             </a:r>
             <a:r>
-              <a:rPr lang="zh-CN" altLang="en-US" dirty="0" smtClean="0"/>
+              <a:rPr lang="zh-CN" altLang="en-US" dirty="0"/>
               <a:t>）</a:t>
             </a:r>
             <a:r>
-              <a:rPr lang="en-US" altLang="zh-CN" dirty="0" smtClean="0"/>
+              <a:rPr lang="en-US" altLang="zh-CN" dirty="0"/>
               <a:t>=S</a:t>
             </a:r>
             <a:r>
-              <a:rPr lang="zh-CN" altLang="en-US" dirty="0" smtClean="0"/>
+              <a:rPr lang="zh-CN" altLang="en-US" dirty="0"/>
               <a:t>（</a:t>
             </a:r>
             <a:r>
-              <a:rPr lang="en-US" altLang="zh-CN" dirty="0" smtClean="0"/>
+              <a:rPr lang="en-US" altLang="zh-CN" dirty="0"/>
               <a:t>t</a:t>
             </a:r>
             <a:r>
-              <a:rPr lang="zh-CN" altLang="en-US" dirty="0" smtClean="0"/>
+              <a:rPr lang="zh-CN" altLang="en-US" dirty="0"/>
               <a:t>）</a:t>
             </a:r>
             <a:r>
-              <a:rPr lang="en-US" altLang="zh-CN" dirty="0" smtClean="0"/>
+              <a:rPr lang="en-US" altLang="zh-CN" dirty="0"/>
               <a:t>/D</a:t>
             </a:r>
           </a:p>
@@ -9672,11 +10327,11 @@
               <a:buNone/>
             </a:pPr>
             <a:r>
-              <a:rPr lang="zh-CN" altLang="en-US" dirty="0" smtClean="0"/>
+              <a:rPr lang="zh-CN" altLang="en-US" dirty="0"/>
               <a:t>当物料延迟</a:t>
             </a:r>
             <a:r>
-              <a:rPr lang="zh-CN" altLang="en-US" dirty="0" smtClean="0">
+              <a:rPr lang="zh-CN" altLang="en-US" dirty="0">
                 <a:solidFill>
                   <a:srgbClr val="7030A0"/>
                 </a:solidFill>
@@ -9684,10 +10339,10 @@
               <a:t>达到平衡状态时</a:t>
             </a:r>
             <a:r>
-              <a:rPr lang="zh-CN" altLang="en-US" dirty="0" smtClean="0"/>
+              <a:rPr lang="zh-CN" altLang="en-US" dirty="0"/>
               <a:t>，供给线上积存的物料数量与管道延迟相同</a:t>
             </a:r>
-            <a:endParaRPr lang="en-US" altLang="zh-CN" dirty="0" smtClean="0"/>
+            <a:endParaRPr lang="en-US" altLang="zh-CN" dirty="0"/>
           </a:p>
           <a:p>
             <a:pPr marL="0" indent="0">
@@ -9719,7 +10374,7 @@
           <a:graphicData uri="http://schemas.openxmlformats.org/presentationml/2006/ole">
             <mc:AlternateContent xmlns:mc="http://schemas.openxmlformats.org/markup-compatibility/2006">
               <mc:Choice xmlns:v="urn:schemas-microsoft-com:vml" Requires="v">
-                <p:oleObj spid="_x0000_s1042" name="Equation" r:id="rId3" imgW="939600" imgH="203040" progId="Equation.DSMT4">
+                <p:oleObj spid="_x0000_s1045" name="Equation" r:id="rId3" imgW="939600" imgH="203040" progId="Equation.DSMT4">
                   <p:embed/>
                 </p:oleObj>
               </mc:Choice>
@@ -9776,13 +10431,6 @@
       </p:transition>
     </mc:Fallback>
   </mc:AlternateContent>
-  <p:timing>
-    <p:tnLst>
-      <p:par>
-        <p:cTn id="1" dur="indefinite" restart="never" nodeType="tmRoot"/>
-      </p:par>
-    </p:tnLst>
-  </p:timing>
 </p:sld>
 </file>
 
@@ -9819,10 +10467,9 @@
           <a:lstStyle/>
           <a:p>
             <a:r>
-              <a:rPr lang="zh-CN" altLang="en-US" dirty="0" smtClean="0"/>
+              <a:rPr lang="zh-CN" altLang="en-US" dirty="0"/>
               <a:t>信息延迟</a:t>
             </a:r>
-            <a:endParaRPr lang="zh-CN" altLang="en-US" dirty="0"/>
           </a:p>
         </p:txBody>
       </p:sp>
@@ -9842,10 +10489,9 @@
           <a:lstStyle/>
           <a:p>
             <a:r>
-              <a:rPr lang="zh-CN" altLang="en-US" dirty="0" smtClean="0"/>
+              <a:rPr lang="zh-CN" altLang="en-US" dirty="0"/>
               <a:t>信息延迟：指数平滑 或 自适应预期</a:t>
             </a:r>
-            <a:endParaRPr lang="zh-CN" altLang="en-US" dirty="0"/>
           </a:p>
         </p:txBody>
       </p:sp>
@@ -9872,41 +10518,41 @@
           <a:lstStyle/>
           <a:p>
             <a:r>
-              <a:rPr lang="zh-CN" altLang="en-US" dirty="0" smtClean="0"/>
+              <a:rPr lang="zh-CN" altLang="en-US" dirty="0"/>
               <a:t>观测值</a:t>
             </a:r>
             <a:r>
-              <a:rPr lang="en-US" altLang="zh-CN" dirty="0" smtClean="0"/>
+              <a:rPr lang="en-US" altLang="zh-CN" dirty="0"/>
               <a:t>-</a:t>
             </a:r>
             <a:r>
-              <a:rPr lang="en-US" altLang="zh-CN" dirty="0" smtClean="0">
+              <a:rPr lang="en-US" altLang="zh-CN" dirty="0">
                 <a:sym typeface="Wingdings" panose="05000000000000000000" pitchFamily="2" charset="2"/>
               </a:rPr>
               <a:t></a:t>
             </a:r>
             <a:r>
-              <a:rPr lang="zh-CN" altLang="en-US" dirty="0" smtClean="0">
+              <a:rPr lang="zh-CN" altLang="en-US" dirty="0">
                 <a:sym typeface="Wingdings" panose="05000000000000000000" pitchFamily="2" charset="2"/>
               </a:rPr>
               <a:t>输入值和</a:t>
             </a:r>
             <a:r>
-              <a:rPr lang="zh-CN" altLang="en-US" dirty="0" smtClean="0"/>
+              <a:rPr lang="zh-CN" altLang="en-US" dirty="0"/>
               <a:t>感知值的差距</a:t>
             </a:r>
             <a:r>
-              <a:rPr lang="en-US" altLang="zh-CN" dirty="0" smtClean="0"/>
+              <a:rPr lang="en-US" altLang="zh-CN" dirty="0"/>
               <a:t>-</a:t>
             </a:r>
             <a:r>
-              <a:rPr lang="en-US" altLang="zh-CN" dirty="0" smtClean="0">
+              <a:rPr lang="en-US" altLang="zh-CN" dirty="0">
                 <a:sym typeface="Wingdings" panose="05000000000000000000" pitchFamily="2" charset="2"/>
               </a:rPr>
               <a:t></a:t>
             </a:r>
             <a:r>
-              <a:rPr lang="zh-CN" altLang="en-US" dirty="0" smtClean="0">
+              <a:rPr lang="zh-CN" altLang="en-US" dirty="0">
                 <a:sym typeface="Wingdings" panose="05000000000000000000" pitchFamily="2" charset="2"/>
               </a:rPr>
               <a:t>感知值的变化</a:t>
@@ -9962,7 +10608,7 @@
           <a:lstStyle/>
           <a:p>
             <a:r>
-              <a:rPr lang="zh-CN" altLang="en-US" dirty="0" smtClean="0">
+              <a:rPr lang="zh-CN" altLang="en-US" dirty="0">
                 <a:solidFill>
                   <a:srgbClr val="7030A0"/>
                 </a:solidFill>
@@ -9970,7 +10616,7 @@
               <a:t>感知</a:t>
             </a:r>
             <a:r>
-              <a:rPr lang="en-US" altLang="zh-CN" dirty="0" smtClean="0">
+              <a:rPr lang="en-US" altLang="zh-CN" dirty="0">
                 <a:solidFill>
                   <a:srgbClr val="7030A0"/>
                 </a:solidFill>
@@ -9978,7 +10624,7 @@
               <a:t>=INTEG(</a:t>
             </a:r>
             <a:r>
-              <a:rPr lang="zh-CN" altLang="en-US" dirty="0" smtClean="0">
+              <a:rPr lang="zh-CN" altLang="en-US" dirty="0">
                 <a:solidFill>
                   <a:srgbClr val="7030A0"/>
                 </a:solidFill>
@@ -9986,7 +10632,7 @@
               <a:t>感知变化，</a:t>
             </a:r>
             <a:r>
-              <a:rPr lang="en-US" altLang="zh-CN" dirty="0" smtClean="0">
+              <a:rPr lang="en-US" altLang="zh-CN" dirty="0">
                 <a:solidFill>
                   <a:srgbClr val="7030A0"/>
                 </a:solidFill>
@@ -9994,14 +10640,14 @@
               <a:t>0</a:t>
             </a:r>
             <a:r>
-              <a:rPr lang="zh-CN" altLang="en-US" dirty="0" smtClean="0">
+              <a:rPr lang="zh-CN" altLang="en-US" dirty="0">
                 <a:solidFill>
                   <a:srgbClr val="7030A0"/>
                 </a:solidFill>
               </a:rPr>
               <a:t>）</a:t>
             </a:r>
-            <a:endParaRPr lang="en-US" altLang="zh-CN" dirty="0" smtClean="0">
+            <a:endParaRPr lang="en-US" altLang="zh-CN" dirty="0">
               <a:solidFill>
                 <a:srgbClr val="7030A0"/>
               </a:solidFill>
@@ -10009,7 +10655,7 @@
           </a:p>
           <a:p>
             <a:r>
-              <a:rPr lang="zh-CN" altLang="en-US" dirty="0" smtClean="0">
+              <a:rPr lang="zh-CN" altLang="en-US" dirty="0">
                 <a:solidFill>
                   <a:srgbClr val="7030A0"/>
                 </a:solidFill>
@@ -10017,7 +10663,7 @@
               <a:t>调整速度</a:t>
             </a:r>
             <a:r>
-              <a:rPr lang="en-US" altLang="zh-CN" dirty="0" smtClean="0">
+              <a:rPr lang="en-US" altLang="zh-CN" dirty="0">
                 <a:solidFill>
                   <a:srgbClr val="7030A0"/>
                 </a:solidFill>
@@ -10027,7 +10673,7 @@
           </a:p>
           <a:p>
             <a:r>
-              <a:rPr lang="zh-CN" altLang="en-US" dirty="0" smtClean="0">
+              <a:rPr lang="zh-CN" altLang="en-US" dirty="0">
                 <a:solidFill>
                   <a:srgbClr val="7030A0"/>
                 </a:solidFill>
@@ -10035,7 +10681,7 @@
               <a:t>差距</a:t>
             </a:r>
             <a:r>
-              <a:rPr lang="en-US" altLang="zh-CN" dirty="0" smtClean="0">
+              <a:rPr lang="en-US" altLang="zh-CN" dirty="0">
                 <a:solidFill>
                   <a:srgbClr val="7030A0"/>
                 </a:solidFill>
@@ -10043,7 +10689,7 @@
               <a:t>=</a:t>
             </a:r>
             <a:r>
-              <a:rPr lang="zh-CN" altLang="en-US" dirty="0" smtClean="0">
+              <a:rPr lang="zh-CN" altLang="en-US" dirty="0">
                 <a:solidFill>
                   <a:srgbClr val="7030A0"/>
                 </a:solidFill>
@@ -10051,7 +10697,7 @@
               <a:t>输入</a:t>
             </a:r>
             <a:r>
-              <a:rPr lang="en-US" altLang="zh-CN" dirty="0" smtClean="0">
+              <a:rPr lang="en-US" altLang="zh-CN" dirty="0">
                 <a:solidFill>
                   <a:srgbClr val="7030A0"/>
                 </a:solidFill>
@@ -10059,14 +10705,14 @@
               <a:t>-</a:t>
             </a:r>
             <a:r>
-              <a:rPr lang="zh-CN" altLang="en-US" dirty="0" smtClean="0">
+              <a:rPr lang="zh-CN" altLang="en-US" dirty="0">
                 <a:solidFill>
                   <a:srgbClr val="7030A0"/>
                 </a:solidFill>
               </a:rPr>
               <a:t>感知</a:t>
             </a:r>
-            <a:endParaRPr lang="en-US" altLang="zh-CN" dirty="0" smtClean="0">
+            <a:endParaRPr lang="en-US" altLang="zh-CN" dirty="0">
               <a:solidFill>
                 <a:srgbClr val="7030A0"/>
               </a:solidFill>
@@ -10323,10 +10969,9 @@
           <a:lstStyle/>
           <a:p>
             <a:r>
-              <a:rPr lang="zh-CN" altLang="en-US" dirty="0" smtClean="0"/>
+              <a:rPr lang="zh-CN" altLang="en-US" dirty="0"/>
               <a:t>高阶信息延迟</a:t>
             </a:r>
-            <a:endParaRPr lang="zh-CN" altLang="en-US" dirty="0"/>
           </a:p>
         </p:txBody>
       </p:sp>
@@ -10400,13 +11045,6 @@
       </p:transition>
     </mc:Fallback>
   </mc:AlternateContent>
-  <p:timing>
-    <p:tnLst>
-      <p:par>
-        <p:cTn id="1" dur="indefinite" restart="never" nodeType="tmRoot"/>
-      </p:par>
-    </p:tnLst>
-  </p:timing>
 </p:sld>
 </file>
 
@@ -10443,10 +11081,9 @@
           <a:lstStyle/>
           <a:p>
             <a:r>
-              <a:rPr lang="zh-CN" altLang="en-US" dirty="0" smtClean="0"/>
+              <a:rPr lang="zh-CN" altLang="en-US" dirty="0"/>
               <a:t>物质延迟和信息延迟的关系</a:t>
             </a:r>
-            <a:endParaRPr lang="zh-CN" altLang="en-US" dirty="0"/>
           </a:p>
         </p:txBody>
       </p:sp>
@@ -10466,20 +11103,19 @@
           <a:lstStyle/>
           <a:p>
             <a:r>
-              <a:rPr lang="zh-CN" altLang="en-US" dirty="0" smtClean="0"/>
+              <a:rPr lang="zh-CN" altLang="en-US" dirty="0"/>
               <a:t>课本</a:t>
             </a:r>
             <a:r>
-              <a:rPr lang="en-US" altLang="zh-CN" dirty="0" smtClean="0"/>
+              <a:rPr lang="en-US" altLang="zh-CN" dirty="0"/>
               <a:t>P137	</a:t>
             </a:r>
           </a:p>
           <a:p>
             <a:r>
-              <a:rPr lang="zh-CN" altLang="en-US" dirty="0" smtClean="0"/>
+              <a:rPr lang="zh-CN" altLang="en-US" dirty="0"/>
               <a:t>假设物质延迟和信息延迟的延迟时间相等且为常数，这两个延迟的输出是一样的</a:t>
             </a:r>
-            <a:endParaRPr lang="zh-CN" altLang="en-US" dirty="0"/>
           </a:p>
         </p:txBody>
       </p:sp>
@@ -10505,13 +11141,6 @@
       </p:transition>
     </mc:Fallback>
   </mc:AlternateContent>
-  <p:timing>
-    <p:tnLst>
-      <p:par>
-        <p:cTn id="1" dur="indefinite" restart="never" nodeType="tmRoot"/>
-      </p:par>
-    </p:tnLst>
-  </p:timing>
 </p:sld>
 </file>
 
@@ -10548,10 +11177,9 @@
           <a:lstStyle/>
           <a:p>
             <a:r>
-              <a:rPr lang="zh-CN" altLang="en-US" dirty="0" smtClean="0"/>
+              <a:rPr lang="zh-CN" altLang="en-US" dirty="0"/>
               <a:t>延迟与振荡的关系</a:t>
             </a:r>
-            <a:endParaRPr lang="zh-CN" altLang="en-US" dirty="0"/>
           </a:p>
         </p:txBody>
       </p:sp>
@@ -10571,33 +11199,33 @@
           <a:lstStyle/>
           <a:p>
             <a:r>
-              <a:rPr lang="zh-CN" altLang="en-US" dirty="0" smtClean="0"/>
+              <a:rPr lang="zh-CN" altLang="en-US" dirty="0"/>
               <a:t>带有时间延迟的负反馈</a:t>
             </a:r>
-            <a:endParaRPr lang="en-US" altLang="zh-CN" dirty="0" smtClean="0"/>
+            <a:endParaRPr lang="en-US" altLang="zh-CN" dirty="0"/>
           </a:p>
           <a:p>
             <a:pPr marL="365760" lvl="1" indent="0">
               <a:buNone/>
             </a:pPr>
             <a:r>
-              <a:rPr lang="zh-CN" altLang="en-US" dirty="0" smtClean="0"/>
+              <a:rPr lang="zh-CN" altLang="en-US" dirty="0"/>
               <a:t>无延迟状态：差异产生</a:t>
             </a:r>
             <a:r>
-              <a:rPr lang="en-US" altLang="zh-CN" dirty="0" smtClean="0">
+              <a:rPr lang="en-US" altLang="zh-CN" dirty="0">
                 <a:sym typeface="Wingdings" panose="05000000000000000000" pitchFamily="2" charset="2"/>
               </a:rPr>
               <a:t></a:t>
             </a:r>
             <a:r>
-              <a:rPr lang="zh-CN" altLang="en-US" dirty="0" smtClean="0">
+              <a:rPr lang="zh-CN" altLang="en-US" dirty="0">
                 <a:sym typeface="Wingdings" panose="05000000000000000000" pitchFamily="2" charset="2"/>
               </a:rPr>
               <a:t>对比期望</a:t>
             </a:r>
             <a:r>
-              <a:rPr lang="en-US" altLang="zh-CN" dirty="0" smtClean="0">
+              <a:rPr lang="en-US" altLang="zh-CN" dirty="0">
                 <a:sym typeface="Wingdings" panose="05000000000000000000" pitchFamily="2" charset="2"/>
               </a:rPr>
               <a:t></a:t>
@@ -10606,15 +11234,9 @@
               <a:rPr lang="zh-CN" altLang="en-US" dirty="0">
                 <a:sym typeface="Wingdings" panose="05000000000000000000" pitchFamily="2" charset="2"/>
               </a:rPr>
-              <a:t>调整</a:t>
-            </a:r>
-            <a:r>
-              <a:rPr lang="zh-CN" altLang="en-US" dirty="0" smtClean="0">
-                <a:sym typeface="Wingdings" panose="05000000000000000000" pitchFamily="2" charset="2"/>
-              </a:rPr>
-              <a:t>系统状态</a:t>
-            </a:r>
-            <a:endParaRPr lang="en-US" altLang="zh-CN" dirty="0" smtClean="0"/>
+              <a:t>调整系统状态</a:t>
+            </a:r>
+            <a:endParaRPr lang="en-US" altLang="zh-CN" dirty="0"/>
           </a:p>
           <a:p>
             <a:pPr marL="365760" lvl="1" indent="0">
@@ -10627,7 +11249,7 @@
               <a:buNone/>
             </a:pPr>
             <a:r>
-              <a:rPr lang="zh-CN" altLang="en-US" dirty="0" smtClean="0"/>
+              <a:rPr lang="zh-CN" altLang="en-US" dirty="0"/>
               <a:t>有延迟状态：？</a:t>
             </a:r>
           </a:p>
@@ -10680,18 +11302,13 @@
           <a:lstStyle/>
           <a:p>
             <a:r>
-              <a:rPr lang="zh-CN" altLang="en-US" dirty="0" smtClean="0">
+              <a:rPr lang="zh-CN" altLang="en-US" dirty="0">
                 <a:solidFill>
                   <a:srgbClr val="7030A0"/>
                 </a:solidFill>
               </a:rPr>
               <a:t>延迟是系统产生振荡的必要条件</a:t>
             </a:r>
-            <a:endParaRPr lang="zh-CN" altLang="en-US" dirty="0">
-              <a:solidFill>
-                <a:srgbClr val="7030A0"/>
-              </a:solidFill>
-            </a:endParaRPr>
           </a:p>
         </p:txBody>
       </p:sp>
@@ -10839,10 +11456,9 @@
           <a:lstStyle/>
           <a:p>
             <a:r>
-              <a:rPr lang="zh-CN" altLang="en-US" dirty="0" smtClean="0"/>
+              <a:rPr lang="zh-CN" altLang="en-US" dirty="0"/>
               <a:t>啤酒游戏中供应链为什么产生反复振荡</a:t>
             </a:r>
-            <a:endParaRPr lang="zh-CN" altLang="en-US" dirty="0"/>
           </a:p>
         </p:txBody>
       </p:sp>
@@ -10862,7 +11478,7 @@
           <a:lstStyle/>
           <a:p>
             <a:r>
-              <a:rPr lang="zh-CN" altLang="en-US" dirty="0" smtClean="0"/>
+              <a:rPr lang="zh-CN" altLang="en-US" dirty="0"/>
               <a:t>上个世纪</a:t>
             </a:r>
             <a:r>
@@ -10871,40 +11487,35 @@
             </a:r>
             <a:r>
               <a:rPr lang="zh-CN" altLang="en-US" dirty="0"/>
-              <a:t>年代</a:t>
-            </a:r>
-            <a:r>
-              <a:rPr lang="zh-CN" altLang="en-US" dirty="0" smtClean="0"/>
-              <a:t>初，</a:t>
-            </a:r>
-            <a:r>
-              <a:rPr lang="en-US" altLang="zh-CN" dirty="0" smtClean="0"/>
+              <a:t>年代初，</a:t>
+            </a:r>
+            <a:r>
+              <a:rPr lang="en-US" altLang="zh-CN" dirty="0"/>
               <a:t>Jay </a:t>
             </a:r>
             <a:r>
-              <a:rPr lang="en-US" altLang="zh-CN" dirty="0" err="1" smtClean="0"/>
+              <a:rPr lang="en-US" altLang="zh-CN" dirty="0" err="1"/>
               <a:t>Forrrester</a:t>
             </a:r>
             <a:r>
-              <a:rPr lang="zh-CN" altLang="en-US" dirty="0" smtClean="0"/>
+              <a:rPr lang="zh-CN" altLang="en-US" dirty="0"/>
               <a:t>在</a:t>
             </a:r>
             <a:r>
-              <a:rPr lang="en-US" altLang="zh-CN" dirty="0" smtClean="0"/>
+              <a:rPr lang="en-US" altLang="zh-CN" dirty="0"/>
               <a:t>Sloan</a:t>
             </a:r>
             <a:r>
-              <a:rPr lang="zh-CN" altLang="en-US" dirty="0" smtClean="0"/>
+              <a:rPr lang="zh-CN" altLang="en-US" dirty="0"/>
               <a:t>商学院时发明一套啤酒分销游戏，向学习管理的学生介绍供应链和系统动力学仿真的概念。</a:t>
             </a:r>
-            <a:endParaRPr lang="en-US" altLang="zh-CN" dirty="0" smtClean="0"/>
-          </a:p>
-          <a:p>
-            <a:r>
-              <a:rPr lang="zh-CN" altLang="en-US" dirty="0" smtClean="0"/>
+            <a:endParaRPr lang="en-US" altLang="zh-CN" dirty="0"/>
+          </a:p>
+          <a:p>
+            <a:r>
+              <a:rPr lang="zh-CN" altLang="en-US" dirty="0"/>
               <a:t>啤酒系统中包括四个部门：零售商，批发商，分销商和工厂，每个游戏者管理一个部门，每周消费者从零售商手里购买啤酒，零售商用库存满足他们的需求，然后向批发商订购啤酒，批发商从自己库存供应给零售商，同样的，批发商向分销商订购和获得啤酒，而供应商则从工厂订购，工厂负责制作啤酒。</a:t>
             </a:r>
-            <a:endParaRPr lang="zh-CN" altLang="en-US" dirty="0"/>
           </a:p>
         </p:txBody>
       </p:sp>
@@ -10930,13 +11541,6 @@
       </p:transition>
     </mc:Fallback>
   </mc:AlternateContent>
-  <p:timing>
-    <p:tnLst>
-      <p:par>
-        <p:cTn id="1" dur="indefinite" restart="never" nodeType="tmRoot"/>
-      </p:par>
-    </p:tnLst>
-  </p:timing>
 </p:sld>
 </file>
 
@@ -10973,10 +11577,9 @@
           <a:lstStyle/>
           <a:p>
             <a:r>
-              <a:rPr lang="zh-CN" altLang="en-US" dirty="0" smtClean="0"/>
+              <a:rPr lang="zh-CN" altLang="en-US" dirty="0"/>
               <a:t>延迟的类型</a:t>
             </a:r>
-            <a:endParaRPr lang="zh-CN" altLang="en-US" dirty="0"/>
           </a:p>
         </p:txBody>
       </p:sp>
@@ -10998,115 +11601,99 @@
           <a:lstStyle/>
           <a:p>
             <a:r>
-              <a:rPr lang="zh-CN" altLang="en-US" dirty="0" smtClean="0"/>
+              <a:rPr lang="zh-CN" altLang="en-US" dirty="0"/>
               <a:t>物质延迟</a:t>
             </a:r>
-            <a:endParaRPr lang="en-US" altLang="zh-CN" dirty="0" smtClean="0"/>
+            <a:endParaRPr lang="en-US" altLang="zh-CN" dirty="0"/>
           </a:p>
           <a:p>
             <a:pPr marL="365760" lvl="1" indent="0">
               <a:buNone/>
             </a:pPr>
             <a:r>
-              <a:rPr lang="zh-CN" altLang="en-US" dirty="0" smtClean="0"/>
+              <a:rPr lang="zh-CN" altLang="en-US" dirty="0"/>
               <a:t>含义：描述物料等实物的物理流动中发生的延迟</a:t>
             </a:r>
-            <a:endParaRPr lang="en-US" altLang="zh-CN" dirty="0" smtClean="0"/>
+            <a:endParaRPr lang="en-US" altLang="zh-CN" dirty="0"/>
           </a:p>
           <a:p>
             <a:pPr lvl="1"/>
             <a:r>
-              <a:rPr lang="zh-CN" altLang="en-US" dirty="0" smtClean="0"/>
+              <a:rPr lang="zh-CN" altLang="en-US" dirty="0"/>
               <a:t>如供应链中产品的流动、原材料采购、</a:t>
             </a:r>
-            <a:endParaRPr lang="en-US" altLang="zh-CN" dirty="0" smtClean="0"/>
+            <a:endParaRPr lang="en-US" altLang="zh-CN" dirty="0"/>
           </a:p>
           <a:p>
             <a:pPr lvl="1"/>
             <a:r>
-              <a:rPr lang="zh-CN" altLang="en-US" dirty="0" smtClean="0"/>
-              <a:t>信件的寄送、</a:t>
-            </a:r>
-            <a:r>
               <a:rPr lang="zh-CN" altLang="en-US" dirty="0"/>
-              <a:t>人员招聘、基础设施</a:t>
-            </a:r>
-            <a:r>
-              <a:rPr lang="zh-CN" altLang="en-US" dirty="0" smtClean="0"/>
-              <a:t>建设</a:t>
-            </a:r>
-            <a:endParaRPr lang="en-US" altLang="zh-CN" dirty="0" smtClean="0"/>
+              <a:t>信件的寄送、人员招聘、基础设施建设</a:t>
+            </a:r>
+            <a:endParaRPr lang="en-US" altLang="zh-CN" dirty="0"/>
           </a:p>
           <a:p>
             <a:pPr marL="365760" lvl="1" indent="0">
               <a:buNone/>
             </a:pPr>
             <a:r>
-              <a:rPr lang="zh-CN" altLang="en-US" dirty="0" smtClean="0"/>
+              <a:rPr lang="zh-CN" altLang="en-US" dirty="0"/>
               <a:t>物质延迟遵守输入输出数量上的守恒</a:t>
             </a:r>
-            <a:endParaRPr lang="en-US" altLang="zh-CN" dirty="0" smtClean="0"/>
-          </a:p>
-          <a:p>
-            <a:r>
-              <a:rPr lang="zh-CN" altLang="en-US" dirty="0" smtClean="0"/>
-              <a:t>信息延迟（</a:t>
-            </a:r>
-            <a:r>
-              <a:rPr lang="en-US" altLang="zh-CN" dirty="0" smtClean="0"/>
-              <a:t>information delay</a:t>
-            </a:r>
-            <a:r>
-              <a:rPr lang="zh-CN" altLang="en-US" dirty="0" smtClean="0"/>
-              <a:t>）</a:t>
-            </a:r>
-            <a:endParaRPr lang="en-US" altLang="zh-CN" dirty="0" smtClean="0"/>
+            <a:endParaRPr lang="en-US" altLang="zh-CN" dirty="0"/>
+          </a:p>
+          <a:p>
+            <a:r>
+              <a:rPr lang="zh-CN" altLang="en-US" dirty="0"/>
+              <a:t>信息延迟</a:t>
+            </a:r>
+            <a:endParaRPr lang="en-US" altLang="zh-CN" dirty="0"/>
           </a:p>
           <a:p>
             <a:pPr marL="365760" lvl="1" indent="0">
               <a:buNone/>
             </a:pPr>
             <a:r>
-              <a:rPr lang="zh-CN" altLang="en-US" dirty="0" smtClean="0"/>
+              <a:rPr lang="zh-CN" altLang="en-US" dirty="0"/>
               <a:t>含义：感知或者认定的调整</a:t>
             </a:r>
-            <a:endParaRPr lang="en-US" altLang="zh-CN" dirty="0" smtClean="0"/>
+            <a:endParaRPr lang="en-US" altLang="zh-CN" dirty="0"/>
           </a:p>
           <a:p>
             <a:pPr marL="365760" lvl="1" indent="0">
               <a:buNone/>
             </a:pPr>
             <a:r>
-              <a:rPr lang="zh-CN" altLang="en-US" dirty="0" smtClean="0"/>
+              <a:rPr lang="zh-CN" altLang="en-US" dirty="0"/>
               <a:t>造成信息延迟的情景有：</a:t>
             </a:r>
-            <a:endParaRPr lang="en-US" altLang="zh-CN" dirty="0" smtClean="0"/>
+            <a:endParaRPr lang="en-US" altLang="zh-CN" dirty="0"/>
           </a:p>
           <a:p>
             <a:pPr lvl="1"/>
             <a:r>
-              <a:rPr lang="zh-CN" altLang="en-US" dirty="0" smtClean="0"/>
+              <a:rPr lang="zh-CN" altLang="en-US" dirty="0"/>
               <a:t>信息收集需要时间</a:t>
             </a:r>
-            <a:endParaRPr lang="en-US" altLang="zh-CN" dirty="0" smtClean="0"/>
+            <a:endParaRPr lang="en-US" altLang="zh-CN" dirty="0"/>
           </a:p>
           <a:p>
             <a:pPr lvl="1"/>
             <a:r>
-              <a:rPr lang="zh-CN" altLang="en-US" dirty="0" smtClean="0"/>
+              <a:rPr lang="zh-CN" altLang="en-US" dirty="0"/>
               <a:t>接受信息并作出反应需要时间</a:t>
             </a:r>
-            <a:endParaRPr lang="en-US" altLang="zh-CN" dirty="0" smtClean="0"/>
+            <a:endParaRPr lang="en-US" altLang="zh-CN" dirty="0"/>
           </a:p>
           <a:p>
             <a:pPr marL="365760" lvl="1" indent="0">
               <a:buNone/>
             </a:pPr>
             <a:r>
-              <a:rPr lang="zh-CN" altLang="en-US" dirty="0" smtClean="0"/>
+              <a:rPr lang="zh-CN" altLang="en-US" dirty="0"/>
               <a:t>信息延迟系统不是数量守恒的系统</a:t>
             </a:r>
-            <a:endParaRPr lang="en-US" altLang="zh-CN" dirty="0" smtClean="0"/>
+            <a:endParaRPr lang="en-US" altLang="zh-CN" dirty="0"/>
           </a:p>
           <a:p>
             <a:pPr lvl="1"/>
@@ -11136,13 +11723,6 @@
       </p:transition>
     </mc:Fallback>
   </mc:AlternateContent>
-  <p:timing>
-    <p:tnLst>
-      <p:par>
-        <p:cTn id="1" dur="indefinite" restart="never" nodeType="tmRoot"/>
-      </p:par>
-    </p:tnLst>
-  </p:timing>
 </p:sld>
 </file>
 
@@ -11179,10 +11759,9 @@
           <a:lstStyle/>
           <a:p>
             <a:r>
-              <a:rPr lang="zh-CN" altLang="en-US" dirty="0" smtClean="0"/>
+              <a:rPr lang="zh-CN" altLang="en-US" dirty="0"/>
               <a:t>振荡的来源</a:t>
             </a:r>
-            <a:endParaRPr lang="zh-CN" altLang="en-US" dirty="0"/>
           </a:p>
         </p:txBody>
       </p:sp>
@@ -11207,10 +11786,10 @@
           <a:lstStyle/>
           <a:p>
             <a:r>
-              <a:rPr lang="zh-CN" altLang="en-US" dirty="0" smtClean="0"/>
+              <a:rPr lang="zh-CN" altLang="en-US" dirty="0"/>
               <a:t>针对系统行为模式，一阶系统时探讨过</a:t>
             </a:r>
-            <a:endParaRPr lang="en-US" altLang="zh-CN" dirty="0" smtClean="0"/>
+            <a:endParaRPr lang="en-US" altLang="zh-CN" dirty="0"/>
           </a:p>
         </p:txBody>
       </p:sp>
@@ -11238,13 +11817,8 @@
           <a:p>
             <a:r>
               <a:rPr lang="zh-CN" altLang="en-US" dirty="0"/>
-              <a:t>一阶</a:t>
-            </a:r>
-            <a:r>
-              <a:rPr lang="zh-CN" altLang="en-US" dirty="0" smtClean="0"/>
-              <a:t>正反馈      指数增长曲线，无法产生振荡</a:t>
-            </a:r>
-            <a:endParaRPr lang="zh-CN" altLang="en-US" dirty="0"/>
+              <a:t>一阶正反馈      指数增长曲线，无法产生振荡</a:t>
+            </a:r>
           </a:p>
         </p:txBody>
       </p:sp>
@@ -11277,13 +11851,9 @@
             </a:pPr>
             <a:r>
               <a:rPr lang="zh-CN" altLang="en-US" dirty="0"/>
-              <a:t>一阶</a:t>
-            </a:r>
-            <a:r>
-              <a:rPr lang="zh-CN" altLang="en-US" dirty="0" smtClean="0"/>
-              <a:t>负反馈      平滑的“寻的”模式</a:t>
-            </a:r>
-            <a:endParaRPr lang="en-US" altLang="zh-CN" dirty="0" smtClean="0"/>
+              <a:t>一阶负反馈      平滑的“寻的”模式</a:t>
+            </a:r>
+            <a:endParaRPr lang="en-US" altLang="zh-CN" dirty="0"/>
           </a:p>
           <a:p>
             <a:pPr>
@@ -11292,14 +11862,13 @@
               </a:lnSpc>
             </a:pPr>
             <a:r>
-              <a:rPr lang="en-US" altLang="zh-CN" dirty="0" smtClean="0"/>
+              <a:rPr lang="en-US" altLang="zh-CN" dirty="0"/>
               <a:t>		</a:t>
             </a:r>
             <a:r>
-              <a:rPr lang="zh-CN" altLang="en-US" dirty="0" smtClean="0"/>
+              <a:rPr lang="zh-CN" altLang="en-US" dirty="0"/>
               <a:t>加入延迟后出现超调模式</a:t>
             </a:r>
-            <a:endParaRPr lang="zh-CN" altLang="en-US" dirty="0"/>
           </a:p>
         </p:txBody>
       </p:sp>
@@ -11326,55 +11895,42 @@
           <a:lstStyle/>
           <a:p>
             <a:r>
-              <a:rPr lang="zh-CN" altLang="en-US" dirty="0" smtClean="0"/>
+              <a:rPr lang="zh-CN" altLang="en-US" dirty="0"/>
               <a:t>二阶系统        平滑增长</a:t>
             </a:r>
-            <a:endParaRPr lang="en-US" altLang="zh-CN" dirty="0" smtClean="0"/>
+            <a:endParaRPr lang="en-US" altLang="zh-CN" dirty="0"/>
           </a:p>
           <a:p>
             <a:r>
               <a:rPr lang="en-US" altLang="zh-CN" dirty="0"/>
-              <a:t>	</a:t>
-            </a:r>
-            <a:r>
-              <a:rPr lang="en-US" altLang="zh-CN" dirty="0" smtClean="0"/>
-              <a:t>	</a:t>
-            </a:r>
-            <a:r>
-              <a:rPr lang="zh-CN" altLang="en-US" dirty="0" smtClean="0"/>
+              <a:t>		</a:t>
+            </a:r>
+            <a:r>
+              <a:rPr lang="zh-CN" altLang="en-US" dirty="0"/>
               <a:t>等幅振荡</a:t>
             </a:r>
-            <a:endParaRPr lang="en-US" altLang="zh-CN" dirty="0" smtClean="0"/>
+            <a:endParaRPr lang="en-US" altLang="zh-CN" dirty="0"/>
           </a:p>
           <a:p>
             <a:r>
               <a:rPr lang="en-US" altLang="zh-CN" dirty="0"/>
-              <a:t>	</a:t>
-            </a:r>
-            <a:r>
-              <a:rPr lang="en-US" altLang="zh-CN" dirty="0" smtClean="0"/>
-              <a:t>	</a:t>
-            </a:r>
-            <a:r>
-              <a:rPr lang="zh-CN" altLang="en-US" dirty="0" smtClean="0"/>
+              <a:t>		</a:t>
+            </a:r>
+            <a:r>
+              <a:rPr lang="zh-CN" altLang="en-US" dirty="0"/>
               <a:t>扩散振荡</a:t>
             </a:r>
-            <a:endParaRPr lang="en-US" altLang="zh-CN" dirty="0" smtClean="0"/>
+            <a:endParaRPr lang="en-US" altLang="zh-CN" dirty="0"/>
           </a:p>
           <a:p>
             <a:r>
               <a:rPr lang="en-US" altLang="zh-CN" dirty="0"/>
-              <a:t>	</a:t>
-            </a:r>
-            <a:r>
-              <a:rPr lang="en-US" altLang="zh-CN" dirty="0" smtClean="0"/>
-              <a:t>	</a:t>
-            </a:r>
-            <a:r>
-              <a:rPr lang="zh-CN" altLang="en-US" dirty="0" smtClean="0"/>
+              <a:t>		</a:t>
+            </a:r>
+            <a:r>
+              <a:rPr lang="zh-CN" altLang="en-US" dirty="0"/>
               <a:t>超调</a:t>
             </a:r>
-            <a:endParaRPr lang="zh-CN" altLang="en-US" dirty="0"/>
           </a:p>
         </p:txBody>
       </p:sp>
@@ -11438,13 +11994,6 @@
       </p:transition>
     </mc:Fallback>
   </mc:AlternateContent>
-  <p:timing>
-    <p:tnLst>
-      <p:par>
-        <p:cTn id="1" dur="indefinite" restart="never" nodeType="tmRoot"/>
-      </p:par>
-    </p:tnLst>
-  </p:timing>
 </p:sld>
 </file>
 
@@ -11481,10 +12030,9 @@
           <a:lstStyle/>
           <a:p>
             <a:r>
-              <a:rPr lang="zh-CN" altLang="en-US" dirty="0" smtClean="0"/>
+              <a:rPr lang="zh-CN" altLang="en-US" dirty="0"/>
               <a:t>延迟问题</a:t>
             </a:r>
-            <a:endParaRPr lang="zh-CN" altLang="en-US" dirty="0"/>
           </a:p>
         </p:txBody>
       </p:sp>
@@ -11512,42 +12060,30 @@
           </a:p>
           <a:p>
             <a:r>
-              <a:rPr lang="zh-CN" altLang="zh-CN" dirty="0" smtClean="0"/>
-              <a:t>快递</a:t>
-            </a:r>
-            <a:r>
               <a:rPr lang="zh-CN" altLang="zh-CN" dirty="0"/>
-              <a:t>公司在一个业务周期中对收集的客户投递物件进行分类，运输到目的地的由配送部门经过分拣之后进行配送。</a:t>
-            </a:r>
-          </a:p>
-          <a:p>
-            <a:r>
-              <a:rPr lang="zh-CN" altLang="en-US" dirty="0" smtClean="0"/>
-              <a:t>工资</a:t>
-            </a:r>
-            <a:r>
-              <a:rPr lang="zh-CN" altLang="en-US" dirty="0" smtClean="0"/>
-              <a:t>上涨后社会上商品价格也发生上涨</a:t>
-            </a:r>
-            <a:endParaRPr lang="en-US" altLang="zh-CN" dirty="0" smtClean="0"/>
-          </a:p>
-          <a:p>
-            <a:r>
-              <a:rPr lang="zh-CN" altLang="en-US" dirty="0" smtClean="0"/>
+              <a:t>快递公司在一个业务周期中对收集的客户投递物件进行分类，运输到目的地的由配送部门经过分拣之后进行配送。</a:t>
+            </a:r>
+          </a:p>
+          <a:p>
+            <a:r>
+              <a:rPr lang="zh-CN" altLang="en-US" dirty="0"/>
+              <a:t>工资上涨后社会上商品价格也发生上涨</a:t>
+            </a:r>
+            <a:endParaRPr lang="en-US" altLang="zh-CN" dirty="0"/>
+          </a:p>
+          <a:p>
+            <a:r>
+              <a:rPr lang="zh-CN" altLang="en-US" dirty="0"/>
               <a:t>向供应商下订单后供应商进行生产或运输，在规定时间内供货</a:t>
             </a:r>
-            <a:endParaRPr lang="en-US" altLang="zh-CN" dirty="0" smtClean="0"/>
-          </a:p>
-          <a:p>
-            <a:r>
-              <a:rPr lang="zh-CN" altLang="en-US" dirty="0" smtClean="0"/>
-              <a:t>企业决策者做出人事调整决策后，员工数量发生</a:t>
-            </a:r>
-            <a:r>
-              <a:rPr lang="zh-CN" altLang="en-US" dirty="0" smtClean="0"/>
-              <a:t>变动</a:t>
-            </a:r>
-            <a:endParaRPr lang="en-US" altLang="zh-CN" dirty="0" smtClean="0"/>
+            <a:endParaRPr lang="en-US" altLang="zh-CN" dirty="0"/>
+          </a:p>
+          <a:p>
+            <a:r>
+              <a:rPr lang="zh-CN" altLang="en-US" dirty="0"/>
+              <a:t>企业决策者做出人事调整决策后，员工数量发生变动</a:t>
+            </a:r>
+            <a:endParaRPr lang="en-US" altLang="zh-CN" dirty="0"/>
           </a:p>
         </p:txBody>
       </p:sp>
@@ -11573,13 +12109,6 @@
       </p:transition>
     </mc:Fallback>
   </mc:AlternateContent>
-  <p:timing>
-    <p:tnLst>
-      <p:par>
-        <p:cTn id="1" dur="indefinite" restart="never" nodeType="tmRoot"/>
-      </p:par>
-    </p:tnLst>
-  </p:timing>
 </p:sld>
 </file>
 
@@ -11616,10 +12145,9 @@
           <a:lstStyle/>
           <a:p>
             <a:r>
-              <a:rPr lang="zh-CN" altLang="en-US" dirty="0" smtClean="0"/>
+              <a:rPr lang="zh-CN" altLang="en-US" dirty="0"/>
               <a:t>延迟问题</a:t>
             </a:r>
-            <a:endParaRPr lang="zh-CN" altLang="en-US" dirty="0"/>
           </a:p>
         </p:txBody>
       </p:sp>
@@ -11639,28 +12167,16 @@
           <a:lstStyle/>
           <a:p>
             <a:r>
-              <a:rPr lang="zh-CN" altLang="zh-CN" dirty="0" smtClean="0"/>
-              <a:t>企业</a:t>
-            </a:r>
-            <a:r>
               <a:rPr lang="zh-CN" altLang="zh-CN" dirty="0"/>
-              <a:t>物资管理部门收到生产物料清单后经过分类，交予仓库管理部门调取物资</a:t>
-            </a:r>
-          </a:p>
-          <a:p>
-            <a:r>
-              <a:rPr lang="zh-CN" altLang="zh-CN" dirty="0" smtClean="0"/>
-              <a:t>企业</a:t>
-            </a:r>
+              <a:t>企业物资管理部门收到生产物料清单后经过分类，交予仓库管理部门调取物资</a:t>
+            </a:r>
+          </a:p>
+          <a:p>
             <a:r>
               <a:rPr lang="zh-CN" altLang="zh-CN" dirty="0"/>
-              <a:t>采购原材料，下单后供应商经过确认订单开始组织供应，形成一个批量后运输到客户企业</a:t>
-            </a:r>
-            <a:r>
-              <a:rPr lang="zh-CN" altLang="zh-CN" dirty="0" smtClean="0"/>
-              <a:t>。</a:t>
-            </a:r>
-            <a:endParaRPr lang="en-US" altLang="zh-CN" dirty="0" smtClean="0"/>
+              <a:t>企业采购原材料，下单后供应商经过确认订单开始组织供应，形成一个批量后运输到客户企业。</a:t>
+            </a:r>
+            <a:endParaRPr lang="en-US" altLang="zh-CN" dirty="0"/>
           </a:p>
           <a:p>
             <a:r>
@@ -11670,18 +12186,17 @@
           </a:p>
           <a:p>
             <a:r>
-              <a:rPr lang="zh-CN" altLang="en-US" dirty="0" smtClean="0"/>
+              <a:rPr lang="zh-CN" altLang="en-US" dirty="0"/>
               <a:t>超市有</a:t>
             </a:r>
             <a:r>
-              <a:rPr lang="en-US" altLang="zh-CN" dirty="0" smtClean="0"/>
+              <a:rPr lang="en-US" altLang="zh-CN" dirty="0"/>
               <a:t>10</a:t>
             </a:r>
             <a:r>
-              <a:rPr lang="zh-CN" altLang="en-US" dirty="0" smtClean="0"/>
+              <a:rPr lang="zh-CN" altLang="en-US" dirty="0"/>
               <a:t>个收银台，购物者排队进入收银区后选择收银台结账离开</a:t>
             </a:r>
-            <a:endParaRPr lang="zh-CN" altLang="en-US" dirty="0"/>
           </a:p>
         </p:txBody>
       </p:sp>
@@ -11707,13 +12222,6 @@
       </p:transition>
     </mc:Fallback>
   </mc:AlternateContent>
-  <p:timing>
-    <p:tnLst>
-      <p:par>
-        <p:cTn id="1" dur="indefinite" restart="never" nodeType="tmRoot"/>
-      </p:par>
-    </p:tnLst>
-  </p:timing>
 </p:sld>
 </file>
 
@@ -11750,10 +12258,9 @@
           <a:lstStyle/>
           <a:p>
             <a:r>
-              <a:rPr lang="zh-CN" altLang="en-US" dirty="0" smtClean="0"/>
+              <a:rPr lang="zh-CN" altLang="en-US" dirty="0"/>
               <a:t>延迟的表示方法</a:t>
             </a:r>
-            <a:endParaRPr lang="zh-CN" altLang="en-US" dirty="0"/>
           </a:p>
         </p:txBody>
       </p:sp>
@@ -11778,31 +12285,30 @@
           <a:lstStyle/>
           <a:p>
             <a:r>
-              <a:rPr lang="zh-CN" altLang="en-US" dirty="0" smtClean="0"/>
+              <a:rPr lang="zh-CN" altLang="en-US" dirty="0"/>
               <a:t>延迟在因果分析图中使用  </a:t>
             </a:r>
             <a:r>
-              <a:rPr lang="en-US" altLang="zh-CN" dirty="0" smtClean="0"/>
+              <a:rPr lang="en-US" altLang="zh-CN" dirty="0"/>
               <a:t>||  </a:t>
             </a:r>
             <a:r>
-              <a:rPr lang="zh-CN" altLang="en-US" dirty="0" smtClean="0"/>
+              <a:rPr lang="zh-CN" altLang="en-US" dirty="0"/>
               <a:t>符号表示</a:t>
             </a:r>
-            <a:endParaRPr lang="en-US" altLang="zh-CN" dirty="0" smtClean="0"/>
-          </a:p>
-          <a:p>
-            <a:endParaRPr lang="en-US" altLang="zh-CN" dirty="0" smtClean="0"/>
-          </a:p>
-          <a:p>
             <a:endParaRPr lang="en-US" altLang="zh-CN" dirty="0"/>
           </a:p>
           <a:p>
-            <a:r>
-              <a:rPr lang="zh-CN" altLang="en-US" dirty="0" smtClean="0"/>
+            <a:endParaRPr lang="en-US" altLang="zh-CN" dirty="0"/>
+          </a:p>
+          <a:p>
+            <a:endParaRPr lang="en-US" altLang="zh-CN" dirty="0"/>
+          </a:p>
+          <a:p>
+            <a:r>
+              <a:rPr lang="zh-CN" altLang="en-US" dirty="0"/>
               <a:t>试分析右下因果回路图中哪些链路应当加入延迟</a:t>
             </a:r>
-            <a:endParaRPr lang="zh-CN" altLang="en-US" dirty="0"/>
           </a:p>
         </p:txBody>
       </p:sp>
@@ -11876,13 +12382,6 @@
       </p:transition>
     </mc:Fallback>
   </mc:AlternateContent>
-  <p:timing>
-    <p:tnLst>
-      <p:par>
-        <p:cTn id="1" dur="indefinite" restart="never" nodeType="tmRoot"/>
-      </p:par>
-    </p:tnLst>
-  </p:timing>
 </p:sld>
 </file>
 
@@ -11919,10 +12418,9 @@
           <a:lstStyle/>
           <a:p>
             <a:r>
-              <a:rPr lang="zh-CN" altLang="en-US" dirty="0" smtClean="0"/>
+              <a:rPr lang="zh-CN" altLang="en-US" dirty="0"/>
               <a:t>延迟的条件</a:t>
             </a:r>
-            <a:endParaRPr lang="zh-CN" altLang="en-US" dirty="0"/>
           </a:p>
         </p:txBody>
       </p:sp>
@@ -11942,28 +12440,24 @@
           <a:lstStyle/>
           <a:p>
             <a:r>
-              <a:rPr lang="zh-CN" altLang="en-US" dirty="0" smtClean="0"/>
+              <a:rPr lang="zh-CN" altLang="en-US" dirty="0"/>
               <a:t>在几乎所有系统中，延迟都是构成系统的必要元素</a:t>
             </a:r>
-            <a:endParaRPr lang="en-US" altLang="zh-CN" dirty="0" smtClean="0"/>
+            <a:endParaRPr lang="en-US" altLang="zh-CN" dirty="0"/>
           </a:p>
           <a:p>
             <a:r>
               <a:rPr lang="zh-CN" altLang="en-US" dirty="0"/>
-              <a:t>延迟使得系统模型更加贴近现实</a:t>
-            </a:r>
-            <a:r>
-              <a:rPr lang="zh-CN" altLang="en-US" dirty="0" smtClean="0"/>
-              <a:t>情境</a:t>
-            </a:r>
-            <a:endParaRPr lang="en-US" altLang="zh-CN" dirty="0" smtClean="0"/>
-          </a:p>
-          <a:p>
-            <a:r>
-              <a:rPr lang="zh-CN" altLang="en-US" dirty="0" smtClean="0"/>
+              <a:t>延迟使得系统模型更加贴近现实情境</a:t>
+            </a:r>
+            <a:endParaRPr lang="en-US" altLang="zh-CN" dirty="0"/>
+          </a:p>
+          <a:p>
+            <a:r>
+              <a:rPr lang="zh-CN" altLang="en-US" dirty="0"/>
               <a:t>延迟存在的必要条件：回路中有存量存在</a:t>
             </a:r>
-            <a:endParaRPr lang="en-US" altLang="zh-CN" dirty="0" smtClean="0"/>
+            <a:endParaRPr lang="en-US" altLang="zh-CN" dirty="0"/>
           </a:p>
           <a:p>
             <a:endParaRPr lang="zh-CN" altLang="en-US" dirty="0"/>
@@ -12040,13 +12534,6 @@
       </p:transition>
     </mc:Fallback>
   </mc:AlternateContent>
-  <p:timing>
-    <p:tnLst>
-      <p:par>
-        <p:cTn id="1" dur="indefinite" restart="never" nodeType="tmRoot"/>
-      </p:par>
-    </p:tnLst>
-  </p:timing>
 </p:sld>
 </file>
 
@@ -12091,10 +12578,9 @@
               <a:t>-</a:t>
             </a:r>
             <a:r>
-              <a:rPr lang="zh-CN" altLang="en-US" dirty="0" smtClean="0"/>
+              <a:rPr lang="zh-CN" altLang="en-US" dirty="0"/>
               <a:t>管道延迟</a:t>
             </a:r>
-            <a:endParaRPr lang="zh-CN" altLang="en-US" dirty="0"/>
           </a:p>
         </p:txBody>
       </p:sp>
@@ -12117,16 +12603,8 @@
               <a:buNone/>
             </a:pPr>
             <a:r>
-              <a:rPr lang="en-US" altLang="zh-CN" sz="2400" dirty="0" smtClean="0"/>
-              <a:t>pipeline </a:t>
-            </a:r>
-            <a:r>
               <a:rPr lang="en-US" altLang="zh-CN" sz="2400" dirty="0"/>
-              <a:t>delay or transportation </a:t>
-            </a:r>
-            <a:r>
-              <a:rPr lang="en-US" altLang="zh-CN" sz="2400" dirty="0" smtClean="0"/>
-              <a:t>delay</a:t>
+              <a:t>pipeline delay or transportation delay</a:t>
             </a:r>
             <a:endParaRPr lang="zh-CN" altLang="en-US" sz="2400" dirty="0"/>
           </a:p>
@@ -12135,10 +12613,9 @@
               <a:buNone/>
             </a:pPr>
             <a:r>
-              <a:rPr lang="zh-CN" altLang="en-US" sz="2400" dirty="0" smtClean="0"/>
+              <a:rPr lang="zh-CN" altLang="en-US" sz="2400" dirty="0"/>
               <a:t>数量关系</a:t>
             </a:r>
-            <a:endParaRPr lang="zh-CN" altLang="en-US" sz="2400" dirty="0"/>
           </a:p>
         </p:txBody>
       </p:sp>
@@ -12188,7 +12665,7 @@
           <a:graphicData uri="http://schemas.openxmlformats.org/presentationml/2006/ole">
             <mc:AlternateContent xmlns:mc="http://schemas.openxmlformats.org/markup-compatibility/2006">
               <mc:Choice xmlns:v="urn:schemas-microsoft-com:vml" Requires="v">
-                <p:oleObj spid="_x0000_s2061" name="Equation" r:id="rId4" imgW="1638000" imgH="203040" progId="Equation.DSMT4">
+                <p:oleObj spid="_x0000_s2064" name="Equation" r:id="rId4" imgW="1638000" imgH="203040" progId="Equation.DSMT4">
                   <p:embed/>
                 </p:oleObj>
               </mc:Choice>
@@ -12270,31 +12747,31 @@
           <a:lstStyle/>
           <a:p>
             <a:r>
-              <a:rPr lang="zh-CN" altLang="en-US" dirty="0" smtClean="0"/>
+              <a:rPr lang="zh-CN" altLang="en-US" dirty="0"/>
               <a:t>注意：简便起见，下文中变量</a:t>
             </a:r>
             <a:r>
-              <a:rPr lang="en-US" altLang="zh-CN" i="1" dirty="0" smtClean="0"/>
+              <a:rPr lang="en-US" altLang="zh-CN" i="1" dirty="0"/>
               <a:t>Outflow</a:t>
             </a:r>
             <a:r>
-              <a:rPr lang="zh-CN" altLang="en-US" dirty="0" smtClean="0"/>
+              <a:rPr lang="zh-CN" altLang="en-US" dirty="0"/>
               <a:t>有时简写为字母</a:t>
             </a:r>
             <a:r>
-              <a:rPr lang="en-US" altLang="zh-CN" i="1" dirty="0" smtClean="0"/>
+              <a:rPr lang="en-US" altLang="zh-CN" i="1" dirty="0"/>
               <a:t>O</a:t>
             </a:r>
             <a:r>
-              <a:rPr lang="zh-CN" altLang="en-US" dirty="0" smtClean="0"/>
+              <a:rPr lang="zh-CN" altLang="en-US" dirty="0"/>
               <a:t>，同时</a:t>
             </a:r>
             <a:r>
-              <a:rPr lang="en-US" altLang="zh-CN" i="1" dirty="0" smtClean="0"/>
+              <a:rPr lang="en-US" altLang="zh-CN" i="1" dirty="0"/>
               <a:t>Inflow</a:t>
             </a:r>
             <a:r>
-              <a:rPr lang="zh-CN" altLang="en-US" dirty="0" smtClean="0"/>
+              <a:rPr lang="zh-CN" altLang="en-US" dirty="0"/>
               <a:t>简写为字母</a:t>
             </a:r>
             <a:r>
@@ -12327,13 +12804,6 @@
       </p:transition>
     </mc:Fallback>
   </mc:AlternateContent>
-  <p:timing>
-    <p:tnLst>
-      <p:par>
-        <p:cTn id="1" dur="indefinite" restart="never" nodeType="tmRoot"/>
-      </p:par>
-    </p:tnLst>
-  </p:timing>
 </p:sld>
 </file>
 
@@ -12378,10 +12848,9 @@
               <a:t>-</a:t>
             </a:r>
             <a:r>
-              <a:rPr lang="zh-CN" altLang="en-US" dirty="0" smtClean="0"/>
+              <a:rPr lang="zh-CN" altLang="en-US" dirty="0"/>
               <a:t>管道延迟</a:t>
             </a:r>
-            <a:endParaRPr lang="zh-CN" altLang="en-US" dirty="0"/>
           </a:p>
         </p:txBody>
       </p:sp>
@@ -12404,10 +12873,10 @@
               <a:buNone/>
             </a:pPr>
             <a:r>
-              <a:rPr lang="zh-CN" altLang="en-US" dirty="0" smtClean="0"/>
+              <a:rPr lang="zh-CN" altLang="en-US" dirty="0"/>
               <a:t>供给线上有多少物料？</a:t>
             </a:r>
-            <a:endParaRPr lang="en-US" altLang="zh-CN" dirty="0" smtClean="0"/>
+            <a:endParaRPr lang="en-US" altLang="zh-CN" dirty="0"/>
           </a:p>
           <a:p>
             <a:pPr marL="0" indent="0">
@@ -12441,36 +12910,6 @@
           </a:prstGeom>
         </p:spPr>
       </p:pic>
-      <p:sp>
-        <p:nvSpPr>
-          <p:cNvPr id="5" name="文本框 4"/>
-          <p:cNvSpPr txBox="1"/>
-          <p:nvPr/>
-        </p:nvSpPr>
-        <p:spPr>
-          <a:xfrm>
-            <a:off x="4195330" y="3719825"/>
-            <a:ext cx="877163" cy="369332"/>
-          </a:xfrm>
-          <a:prstGeom prst="rect">
-            <a:avLst/>
-          </a:prstGeom>
-          <a:noFill/>
-        </p:spPr>
-        <p:txBody>
-          <a:bodyPr wrap="none" rtlCol="0">
-            <a:spAutoFit/>
-          </a:bodyPr>
-          <a:lstStyle/>
-          <a:p>
-            <a:r>
-              <a:rPr lang="zh-CN" altLang="en-US" dirty="0" smtClean="0"/>
-              <a:t>运输线</a:t>
-            </a:r>
-            <a:endParaRPr lang="zh-CN" altLang="en-US" dirty="0"/>
-          </a:p>
-        </p:txBody>
-      </p:sp>
       <p:sp>
         <p:nvSpPr>
           <p:cNvPr id="6" name="右大括号 5"/>
@@ -12537,18 +12976,13 @@
           <a:lstStyle/>
           <a:p>
             <a:r>
-              <a:rPr lang="zh-CN" altLang="en-US" dirty="0" smtClean="0">
+              <a:rPr lang="zh-CN" altLang="en-US" dirty="0">
                 <a:solidFill>
                   <a:srgbClr val="7030A0"/>
                 </a:solidFill>
               </a:rPr>
               <a:t>输入速率流与输出速率流之间的差，即运输线上积累的物料。</a:t>
             </a:r>
-            <a:endParaRPr lang="zh-CN" altLang="en-US" dirty="0">
-              <a:solidFill>
-                <a:srgbClr val="7030A0"/>
-              </a:solidFill>
-            </a:endParaRPr>
           </a:p>
         </p:txBody>
       </p:sp>
@@ -12574,7 +13008,7 @@
           <a:graphicData uri="http://schemas.openxmlformats.org/presentationml/2006/ole">
             <mc:AlternateContent xmlns:mc="http://schemas.openxmlformats.org/markup-compatibility/2006">
               <mc:Choice xmlns:v="urn:schemas-microsoft-com:vml" Requires="v">
-                <p:oleObj spid="_x0000_s3085" name="Equation" r:id="rId4" imgW="228600" imgH="164880" progId="Equation.DSMT4">
+                <p:oleObj spid="_x0000_s3088" name="Equation" r:id="rId4" imgW="228600" imgH="164880" progId="Equation.DSMT4">
                   <p:embed/>
                 </p:oleObj>
               </mc:Choice>
@@ -12632,14 +13066,49 @@
           <a:lstStyle/>
           <a:p>
             <a:r>
-              <a:rPr lang="zh-CN" altLang="en-US" dirty="0" smtClean="0"/>
+              <a:rPr lang="zh-CN" altLang="en-US" dirty="0"/>
               <a:t>延迟时间</a:t>
             </a:r>
             <a:r>
-              <a:rPr lang="en-US" altLang="zh-CN" dirty="0" smtClean="0"/>
+              <a:rPr lang="en-US" altLang="zh-CN" dirty="0"/>
               <a:t>D</a:t>
             </a:r>
             <a:endParaRPr lang="zh-CN" altLang="en-US" dirty="0"/>
+          </a:p>
+        </p:txBody>
+      </p:sp>
+      <p:sp>
+        <p:nvSpPr>
+          <p:cNvPr id="10" name="文本框 9">
+            <a:extLst>
+              <a:ext uri="{FF2B5EF4-FFF2-40B4-BE49-F238E27FC236}">
+                <a16:creationId xmlns:a16="http://schemas.microsoft.com/office/drawing/2014/main" id="{F33608B7-8A92-054B-8754-28EDC3FA97B9}"/>
+              </a:ext>
+            </a:extLst>
+          </p:cNvPr>
+          <p:cNvSpPr txBox="1"/>
+          <p:nvPr/>
+        </p:nvSpPr>
+        <p:spPr>
+          <a:xfrm>
+            <a:off x="4215673" y="3672590"/>
+            <a:ext cx="877163" cy="369332"/>
+          </a:xfrm>
+          <a:prstGeom prst="rect">
+            <a:avLst/>
+          </a:prstGeom>
+          <a:noFill/>
+        </p:spPr>
+        <p:txBody>
+          <a:bodyPr wrap="none" rtlCol="0">
+            <a:spAutoFit/>
+          </a:bodyPr>
+          <a:lstStyle/>
+          <a:p>
+            <a:r>
+              <a:rPr lang="zh-CN" altLang="en-US" dirty="0"/>
+              <a:t>供给线</a:t>
+            </a:r>
           </a:p>
         </p:txBody>
       </p:sp>
@@ -12726,6 +13195,156 @@
                       </p:childTnLst>
                     </p:cTn>
                   </p:par>
+                  <p:par>
+                    <p:cTn id="8" fill="hold">
+                      <p:stCondLst>
+                        <p:cond delay="indefinite"/>
+                      </p:stCondLst>
+                      <p:childTnLst>
+                        <p:par>
+                          <p:cTn id="9" fill="hold">
+                            <p:stCondLst>
+                              <p:cond delay="0"/>
+                            </p:stCondLst>
+                            <p:childTnLst>
+                              <p:par>
+                                <p:cTn id="10" presetID="10" presetClass="entr" presetSubtype="0" fill="hold" grpId="0" nodeType="clickEffect">
+                                  <p:stCondLst>
+                                    <p:cond delay="0"/>
+                                  </p:stCondLst>
+                                  <p:childTnLst>
+                                    <p:set>
+                                      <p:cBhvr>
+                                        <p:cTn id="11" dur="1" fill="hold">
+                                          <p:stCondLst>
+                                            <p:cond delay="0"/>
+                                          </p:stCondLst>
+                                        </p:cTn>
+                                        <p:tgtEl>
+                                          <p:spTgt spid="6"/>
+                                        </p:tgtEl>
+                                        <p:attrNameLst>
+                                          <p:attrName>style.visibility</p:attrName>
+                                        </p:attrNameLst>
+                                      </p:cBhvr>
+                                      <p:to>
+                                        <p:strVal val="visible"/>
+                                      </p:to>
+                                    </p:set>
+                                    <p:animEffect transition="in" filter="fade">
+                                      <p:cBhvr>
+                                        <p:cTn id="12" dur="500"/>
+                                        <p:tgtEl>
+                                          <p:spTgt spid="6"/>
+                                        </p:tgtEl>
+                                      </p:cBhvr>
+                                    </p:animEffect>
+                                  </p:childTnLst>
+                                </p:cTn>
+                              </p:par>
+                            </p:childTnLst>
+                          </p:cTn>
+                        </p:par>
+                        <p:par>
+                          <p:cTn id="13" fill="hold">
+                            <p:stCondLst>
+                              <p:cond delay="500"/>
+                            </p:stCondLst>
+                            <p:childTnLst>
+                              <p:par>
+                                <p:cTn id="14" presetID="10" presetClass="entr" presetSubtype="0" fill="hold" grpId="0" nodeType="afterEffect">
+                                  <p:stCondLst>
+                                    <p:cond delay="0"/>
+                                  </p:stCondLst>
+                                  <p:childTnLst>
+                                    <p:set>
+                                      <p:cBhvr>
+                                        <p:cTn id="15" dur="1" fill="hold">
+                                          <p:stCondLst>
+                                            <p:cond delay="0"/>
+                                          </p:stCondLst>
+                                        </p:cTn>
+                                        <p:tgtEl>
+                                          <p:spTgt spid="10"/>
+                                        </p:tgtEl>
+                                        <p:attrNameLst>
+                                          <p:attrName>style.visibility</p:attrName>
+                                        </p:attrNameLst>
+                                      </p:cBhvr>
+                                      <p:to>
+                                        <p:strVal val="visible"/>
+                                      </p:to>
+                                    </p:set>
+                                    <p:animEffect transition="in" filter="fade">
+                                      <p:cBhvr>
+                                        <p:cTn id="16" dur="500"/>
+                                        <p:tgtEl>
+                                          <p:spTgt spid="10"/>
+                                        </p:tgtEl>
+                                      </p:cBhvr>
+                                    </p:animEffect>
+                                  </p:childTnLst>
+                                </p:cTn>
+                              </p:par>
+                            </p:childTnLst>
+                          </p:cTn>
+                        </p:par>
+                      </p:childTnLst>
+                    </p:cTn>
+                  </p:par>
+                  <p:par>
+                    <p:cTn id="17" fill="hold">
+                      <p:stCondLst>
+                        <p:cond delay="indefinite"/>
+                      </p:stCondLst>
+                      <p:childTnLst>
+                        <p:par>
+                          <p:cTn id="18" fill="hold">
+                            <p:stCondLst>
+                              <p:cond delay="0"/>
+                            </p:stCondLst>
+                            <p:childTnLst>
+                              <p:par>
+                                <p:cTn id="19" presetID="10" presetClass="entr" presetSubtype="0" fill="hold" grpId="0" nodeType="clickEffect">
+                                  <p:stCondLst>
+                                    <p:cond delay="0"/>
+                                  </p:stCondLst>
+                                  <p:childTnLst>
+                                    <p:set>
+                                      <p:cBhvr>
+                                        <p:cTn id="20" dur="1" fill="hold">
+                                          <p:stCondLst>
+                                            <p:cond delay="0"/>
+                                          </p:stCondLst>
+                                        </p:cTn>
+                                        <p:tgtEl>
+                                          <p:spTgt spid="9"/>
+                                        </p:tgtEl>
+                                        <p:attrNameLst>
+                                          <p:attrName>style.visibility</p:attrName>
+                                        </p:attrNameLst>
+                                      </p:cBhvr>
+                                      <p:to>
+                                        <p:strVal val="visible"/>
+                                      </p:to>
+                                    </p:set>
+                                    <p:animEffect transition="in" filter="fade">
+                                      <p:cBhvr>
+                                        <p:cTn id="21" dur="500"/>
+                                        <p:tgtEl>
+                                          <p:spTgt spid="9"/>
+                                        </p:tgtEl>
+                                      </p:cBhvr>
+                                    </p:animEffect>
+                                  </p:childTnLst>
+                                </p:cTn>
+                              </p:par>
+                            </p:childTnLst>
+                          </p:cTn>
+                        </p:par>
+                      </p:childTnLst>
+                    </p:cTn>
+                  </p:par>
                 </p:childTnLst>
               </p:cTn>
               <p:prevCondLst>
@@ -12747,6 +13366,11 @@
         </p:cTn>
       </p:par>
     </p:tnLst>
+    <p:bldLst>
+      <p:bldP spid="6" grpId="0" animBg="1"/>
+      <p:bldP spid="9" grpId="0"/>
+      <p:bldP spid="10" grpId="0"/>
+    </p:bldLst>
   </p:timing>
 </p:sld>
 </file>
@@ -12784,18 +13408,17 @@
           <a:lstStyle/>
           <a:p>
             <a:r>
-              <a:rPr lang="zh-CN" altLang="en-US" dirty="0" smtClean="0"/>
-              <a:t>物质</a:t>
-            </a:r>
-            <a:r>
-              <a:rPr lang="zh-CN" altLang="en-US" dirty="0" smtClean="0"/>
-              <a:t>延迟</a:t>
-            </a:r>
-            <a:r>
-              <a:rPr lang="en-US" altLang="zh-CN" dirty="0" smtClean="0"/>
+              <a:rPr lang="zh-CN" altLang="en-US" dirty="0"/>
+              <a:t>物质延迟</a:t>
+            </a:r>
+            <a:r>
+              <a:rPr lang="en-US" altLang="zh-CN" dirty="0"/>
               <a:t>-</a:t>
             </a:r>
-            <a:endParaRPr lang="zh-CN" altLang="en-US" dirty="0"/>
+            <a:r>
+              <a:rPr lang="zh-CN" altLang="en-US" dirty="0"/>
+              <a:t>延迟方式</a:t>
+            </a:r>
           </a:p>
         </p:txBody>
       </p:sp>
@@ -12815,96 +13438,49 @@
           <a:lstStyle/>
           <a:p>
             <a:r>
-              <a:rPr lang="zh-CN" altLang="en-US" dirty="0" smtClean="0"/>
+              <a:rPr lang="zh-CN" altLang="en-US" dirty="0"/>
               <a:t>排队方式</a:t>
             </a:r>
-            <a:endParaRPr lang="en-US" altLang="zh-CN" dirty="0" smtClean="0"/>
+            <a:endParaRPr lang="en-US" altLang="zh-CN" dirty="0"/>
           </a:p>
           <a:p>
             <a:pPr lvl="1"/>
             <a:r>
-              <a:rPr lang="en-US" altLang="zh-CN" dirty="0" smtClean="0"/>
+              <a:rPr lang="en-US" altLang="zh-CN" dirty="0"/>
               <a:t>FIFO</a:t>
             </a:r>
           </a:p>
           <a:p>
             <a:pPr lvl="1"/>
             <a:r>
-              <a:rPr lang="en-US" altLang="zh-CN" dirty="0" smtClean="0"/>
+              <a:rPr lang="en-US" altLang="zh-CN" dirty="0"/>
               <a:t>LIFO</a:t>
             </a:r>
           </a:p>
           <a:p>
-            <a:endParaRPr lang="en-US" altLang="zh-CN" dirty="0" smtClean="0"/>
-          </a:p>
-          <a:p>
-            <a:r>
-              <a:rPr lang="zh-CN" altLang="en-US" dirty="0" smtClean="0"/>
+            <a:endParaRPr lang="en-US" altLang="zh-CN" dirty="0"/>
+          </a:p>
+          <a:p>
+            <a:r>
+              <a:rPr lang="zh-CN" altLang="en-US" dirty="0"/>
               <a:t>延迟时间</a:t>
             </a:r>
-            <a:endParaRPr lang="en-US" altLang="zh-CN" dirty="0" smtClean="0"/>
+            <a:endParaRPr lang="en-US" altLang="zh-CN" dirty="0"/>
           </a:p>
           <a:p>
             <a:pPr lvl="1"/>
             <a:r>
-              <a:rPr lang="zh-CN" altLang="en-US" dirty="0" smtClean="0"/>
+              <a:rPr lang="zh-CN" altLang="en-US" dirty="0"/>
               <a:t>管道延迟：物品在运输线上的滞留时间</a:t>
             </a:r>
-            <a:endParaRPr lang="en-US" altLang="zh-CN" dirty="0" smtClean="0"/>
-          </a:p>
-          <a:p>
-            <a:pPr lvl="1"/>
-            <a:r>
-              <a:rPr lang="zh-CN" altLang="en-US" dirty="0" smtClean="0"/>
-              <a:t>物料延迟：与</a:t>
-            </a:r>
-            <a:r>
-              <a:rPr lang="zh-CN" altLang="en-US" dirty="0" smtClean="0"/>
-              <a:t>管道延迟不同，物料延迟无法确定单个运输线上物品的</a:t>
-            </a:r>
-            <a:r>
-              <a:rPr lang="zh-CN" altLang="en-US" dirty="0" smtClean="0"/>
-              <a:t>滞留时间，仅能确定系统稳定时物品的平均延迟时间</a:t>
-            </a:r>
-            <a:endParaRPr lang="en-US" altLang="zh-CN" dirty="0" smtClean="0"/>
-          </a:p>
-        </p:txBody>
-      </p:sp>
-      <p:sp>
-        <p:nvSpPr>
-          <p:cNvPr id="4" name="右大括号 3"/>
-          <p:cNvSpPr/>
-          <p:nvPr/>
-        </p:nvSpPr>
-        <p:spPr>
-          <a:xfrm>
-            <a:off x="3646140" y="2132856"/>
-            <a:ext cx="288032" cy="720080"/>
-          </a:xfrm>
-          <a:prstGeom prst="rightBrace">
-            <a:avLst/>
-          </a:prstGeom>
-        </p:spPr>
-        <p:style>
-          <a:lnRef idx="1">
-            <a:schemeClr val="accent1"/>
-          </a:lnRef>
-          <a:fillRef idx="0">
-            <a:schemeClr val="accent1"/>
-          </a:fillRef>
-          <a:effectRef idx="0">
-            <a:schemeClr val="accent1"/>
-          </a:effectRef>
-          <a:fontRef idx="minor">
-            <a:schemeClr val="tx1"/>
-          </a:fontRef>
-        </p:style>
-        <p:txBody>
-          <a:bodyPr rtlCol="0" anchor="ctr"/>
-          <a:lstStyle/>
-          <a:p>
-            <a:pPr algn="ctr"/>
-            <a:endParaRPr lang="zh-CN" altLang="en-US"/>
+            <a:endParaRPr lang="en-US" altLang="zh-CN" dirty="0"/>
+          </a:p>
+          <a:p>
+            <a:r>
+              <a:rPr lang="zh-CN" altLang="en-US" dirty="0"/>
+              <a:t>物料延迟：与管道延迟不同，物料延迟无法确定单个运输线上物品的滞留时间，仅能确定系统稳定时物品的平均延迟时间</a:t>
+            </a:r>
+            <a:endParaRPr lang="en-US" altLang="zh-CN" dirty="0"/>
           </a:p>
         </p:txBody>
       </p:sp>
@@ -12933,7 +13509,299 @@
   <p:timing>
     <p:tnLst>
       <p:par>
-        <p:cTn id="1" dur="indefinite" restart="never" nodeType="tmRoot"/>
+        <p:cTn id="1" dur="indefinite" restart="never" nodeType="tmRoot">
+          <p:childTnLst>
+            <p:seq concurrent="1" nextAc="seek">
+              <p:cTn id="2" dur="indefinite" nodeType="mainSeq">
+                <p:childTnLst>
+                  <p:par>
+                    <p:cTn id="3" fill="hold">
+                      <p:stCondLst>
+                        <p:cond delay="indefinite"/>
+                      </p:stCondLst>
+                      <p:childTnLst>
+                        <p:par>
+                          <p:cTn id="4" fill="hold">
+                            <p:stCondLst>
+                              <p:cond delay="0"/>
+                            </p:stCondLst>
+                            <p:childTnLst>
+                              <p:par>
+                                <p:cTn id="5" presetID="10" presetClass="entr" presetSubtype="0" fill="hold" nodeType="clickEffect">
+                                  <p:stCondLst>
+                                    <p:cond delay="0"/>
+                                  </p:stCondLst>
+                                  <p:childTnLst>
+                                    <p:set>
+                                      <p:cBhvr>
+                                        <p:cTn id="6" dur="1" fill="hold">
+                                          <p:stCondLst>
+                                            <p:cond delay="0"/>
+                                          </p:stCondLst>
+                                        </p:cTn>
+                                        <p:tgtEl>
+                                          <p:spTgt spid="3">
+                                            <p:txEl>
+                                              <p:pRg st="1" end="1"/>
+                                            </p:txEl>
+                                          </p:spTgt>
+                                        </p:tgtEl>
+                                        <p:attrNameLst>
+                                          <p:attrName>style.visibility</p:attrName>
+                                        </p:attrNameLst>
+                                      </p:cBhvr>
+                                      <p:to>
+                                        <p:strVal val="visible"/>
+                                      </p:to>
+                                    </p:set>
+                                    <p:animEffect transition="in" filter="fade">
+                                      <p:cBhvr>
+                                        <p:cTn id="7" dur="500"/>
+                                        <p:tgtEl>
+                                          <p:spTgt spid="3">
+                                            <p:txEl>
+                                              <p:pRg st="1" end="1"/>
+                                            </p:txEl>
+                                          </p:spTgt>
+                                        </p:tgtEl>
+                                      </p:cBhvr>
+                                    </p:animEffect>
+                                  </p:childTnLst>
+                                </p:cTn>
+                              </p:par>
+                              <p:par>
+                                <p:cTn id="8" presetID="10" presetClass="entr" presetSubtype="0" fill="hold" nodeType="withEffect">
+                                  <p:stCondLst>
+                                    <p:cond delay="0"/>
+                                  </p:stCondLst>
+                                  <p:childTnLst>
+                                    <p:set>
+                                      <p:cBhvr>
+                                        <p:cTn id="9" dur="1" fill="hold">
+                                          <p:stCondLst>
+                                            <p:cond delay="0"/>
+                                          </p:stCondLst>
+                                        </p:cTn>
+                                        <p:tgtEl>
+                                          <p:spTgt spid="3">
+                                            <p:txEl>
+                                              <p:pRg st="2" end="2"/>
+                                            </p:txEl>
+                                          </p:spTgt>
+                                        </p:tgtEl>
+                                        <p:attrNameLst>
+                                          <p:attrName>style.visibility</p:attrName>
+                                        </p:attrNameLst>
+                                      </p:cBhvr>
+                                      <p:to>
+                                        <p:strVal val="visible"/>
+                                      </p:to>
+                                    </p:set>
+                                    <p:animEffect transition="in" filter="fade">
+                                      <p:cBhvr>
+                                        <p:cTn id="10" dur="500"/>
+                                        <p:tgtEl>
+                                          <p:spTgt spid="3">
+                                            <p:txEl>
+                                              <p:pRg st="2" end="2"/>
+                                            </p:txEl>
+                                          </p:spTgt>
+                                        </p:tgtEl>
+                                      </p:cBhvr>
+                                    </p:animEffect>
+                                  </p:childTnLst>
+                                </p:cTn>
+                              </p:par>
+                            </p:childTnLst>
+                          </p:cTn>
+                        </p:par>
+                      </p:childTnLst>
+                    </p:cTn>
+                  </p:par>
+                  <p:par>
+                    <p:cTn id="11" fill="hold">
+                      <p:stCondLst>
+                        <p:cond delay="indefinite"/>
+                      </p:stCondLst>
+                      <p:childTnLst>
+                        <p:par>
+                          <p:cTn id="12" fill="hold">
+                            <p:stCondLst>
+                              <p:cond delay="0"/>
+                            </p:stCondLst>
+                            <p:childTnLst>
+                              <p:par>
+                                <p:cTn id="13" presetID="10" presetClass="entr" presetSubtype="0" fill="hold" nodeType="clickEffect">
+                                  <p:stCondLst>
+                                    <p:cond delay="0"/>
+                                  </p:stCondLst>
+                                  <p:childTnLst>
+                                    <p:set>
+                                      <p:cBhvr>
+                                        <p:cTn id="14" dur="1" fill="hold">
+                                          <p:stCondLst>
+                                            <p:cond delay="0"/>
+                                          </p:stCondLst>
+                                        </p:cTn>
+                                        <p:tgtEl>
+                                          <p:spTgt spid="3">
+                                            <p:txEl>
+                                              <p:pRg st="4" end="4"/>
+                                            </p:txEl>
+                                          </p:spTgt>
+                                        </p:tgtEl>
+                                        <p:attrNameLst>
+                                          <p:attrName>style.visibility</p:attrName>
+                                        </p:attrNameLst>
+                                      </p:cBhvr>
+                                      <p:to>
+                                        <p:strVal val="visible"/>
+                                      </p:to>
+                                    </p:set>
+                                    <p:animEffect transition="in" filter="fade">
+                                      <p:cBhvr>
+                                        <p:cTn id="15" dur="500"/>
+                                        <p:tgtEl>
+                                          <p:spTgt spid="3">
+                                            <p:txEl>
+                                              <p:pRg st="4" end="4"/>
+                                            </p:txEl>
+                                          </p:spTgt>
+                                        </p:tgtEl>
+                                      </p:cBhvr>
+                                    </p:animEffect>
+                                  </p:childTnLst>
+                                </p:cTn>
+                              </p:par>
+                              <p:par>
+                                <p:cTn id="16" presetID="10" presetClass="entr" presetSubtype="0" fill="hold" nodeType="withEffect">
+                                  <p:stCondLst>
+                                    <p:cond delay="0"/>
+                                  </p:stCondLst>
+                                  <p:childTnLst>
+                                    <p:set>
+                                      <p:cBhvr>
+                                        <p:cTn id="17" dur="1" fill="hold">
+                                          <p:stCondLst>
+                                            <p:cond delay="0"/>
+                                          </p:stCondLst>
+                                        </p:cTn>
+                                        <p:tgtEl>
+                                          <p:spTgt spid="3">
+                                            <p:txEl>
+                                              <p:pRg st="5" end="5"/>
+                                            </p:txEl>
+                                          </p:spTgt>
+                                        </p:tgtEl>
+                                        <p:attrNameLst>
+                                          <p:attrName>style.visibility</p:attrName>
+                                        </p:attrNameLst>
+                                      </p:cBhvr>
+                                      <p:to>
+                                        <p:strVal val="visible"/>
+                                      </p:to>
+                                    </p:set>
+                                    <p:animEffect transition="in" filter="fade">
+                                      <p:cBhvr>
+                                        <p:cTn id="18" dur="500"/>
+                                        <p:tgtEl>
+                                          <p:spTgt spid="3">
+                                            <p:txEl>
+                                              <p:pRg st="5" end="5"/>
+                                            </p:txEl>
+                                          </p:spTgt>
+                                        </p:tgtEl>
+                                      </p:cBhvr>
+                                    </p:animEffect>
+                                  </p:childTnLst>
+                                </p:cTn>
+                              </p:par>
+                            </p:childTnLst>
+                          </p:cTn>
+                        </p:par>
+                      </p:childTnLst>
+                    </p:cTn>
+                  </p:par>
+                  <p:par>
+                    <p:cTn id="19" fill="hold">
+                      <p:stCondLst>
+                        <p:cond delay="indefinite"/>
+                      </p:stCondLst>
+                      <p:childTnLst>
+                        <p:par>
+                          <p:cTn id="20" fill="hold">
+                            <p:stCondLst>
+                              <p:cond delay="0"/>
+                            </p:stCondLst>
+                            <p:childTnLst>
+                              <p:par>
+                                <p:cTn id="21" presetID="10" presetClass="entr" presetSubtype="0" fill="hold" nodeType="clickEffect">
+                                  <p:stCondLst>
+                                    <p:cond delay="0"/>
+                                  </p:stCondLst>
+                                  <p:childTnLst>
+                                    <p:set>
+                                      <p:cBhvr>
+                                        <p:cTn id="22" dur="1" fill="hold">
+                                          <p:stCondLst>
+                                            <p:cond delay="0"/>
+                                          </p:stCondLst>
+                                        </p:cTn>
+                                        <p:tgtEl>
+                                          <p:spTgt spid="3">
+                                            <p:txEl>
+                                              <p:pRg st="6" end="6"/>
+                                            </p:txEl>
+                                          </p:spTgt>
+                                        </p:tgtEl>
+                                        <p:attrNameLst>
+                                          <p:attrName>style.visibility</p:attrName>
+                                        </p:attrNameLst>
+                                      </p:cBhvr>
+                                      <p:to>
+                                        <p:strVal val="visible"/>
+                                      </p:to>
+                                    </p:set>
+                                    <p:animEffect transition="in" filter="fade">
+                                      <p:cBhvr>
+                                        <p:cTn id="23" dur="500"/>
+                                        <p:tgtEl>
+                                          <p:spTgt spid="3">
+                                            <p:txEl>
+                                              <p:pRg st="6" end="6"/>
+                                            </p:txEl>
+                                          </p:spTgt>
+                                        </p:tgtEl>
+                                      </p:cBhvr>
+                                    </p:animEffect>
+                                  </p:childTnLst>
+                                </p:cTn>
+                              </p:par>
+                            </p:childTnLst>
+                          </p:cTn>
+                        </p:par>
+                      </p:childTnLst>
+                    </p:cTn>
+                  </p:par>
+                </p:childTnLst>
+              </p:cTn>
+              <p:prevCondLst>
+                <p:cond evt="onPrev" delay="0">
+                  <p:tgtEl>
+                    <p:sldTgt/>
+                  </p:tgtEl>
+                </p:cond>
+              </p:prevCondLst>
+              <p:nextCondLst>
+                <p:cond evt="onNext" delay="0">
+                  <p:tgtEl>
+                    <p:sldTgt/>
+                  </p:tgtEl>
+                </p:cond>
+              </p:nextCondLst>
+            </p:seq>
+          </p:childTnLst>
+        </p:cTn>
       </p:par>
     </p:tnLst>
   </p:timing>
@@ -13534,6 +14402,24 @@
 </file>
 
 <file path=customXml/item1.xml><?xml version="1.0" encoding="utf-8"?>
+<Control xmlns="http://schemas.microsoft.com/VisualStudio/2011/storyboarding/control">
+  <Id Name="System.Storyboarding.Common.DragSelection" Revision="1" Stencil="System.Storyboarding.Common" StencilVersion="0.1"/>
+</Control>
+</file>
+
+<file path=customXml/item2.xml><?xml version="1.0" encoding="utf-8"?>
+<Control xmlns="http://schemas.microsoft.com/VisualStudio/2011/storyboarding/control">
+  <Id Name="System.Storyboarding.Common.TextInput" Revision="1" Stencil="System.Storyboarding.Common" StencilVersion="0.1"/>
+</Control>
+</file>
+
+<file path=customXml/item3.xml><?xml version="1.0" encoding="utf-8"?>
+<Control xmlns="http://schemas.microsoft.com/VisualStudio/2011/storyboarding/control">
+  <Id Name="5e505f8e-b0aa-429a-bb4c-92ab0e8a8ee6" RevisionId="d2083f08-ba4f-4330-87aa-e4d23a4443d7" Stencil="172d6d98-e5c9-42e9-a209-79f7a94bbd38" StencilRevisionId="00000000-0000-0000-0000-000000000000" StencilVersion="0.0"/>
+</Control>
+</file>
+
+<file path=customXml/item4.xml><?xml version="1.0" encoding="utf-8"?>
 <p:properties xmlns:p="http://schemas.microsoft.com/office/2006/metadata/properties" xmlns:xsi="http://www.w3.org/2001/XMLSchema-instance" xmlns:pc="http://schemas.microsoft.com/office/infopath/2007/PartnerControls">
   <documentManagement>
     <_dlc_DocId xmlns="b4ebf394-daf6-497a-96c5-a2f8c10b38cf">TT6HZDVJM2HV-178-321</_dlc_DocId>
@@ -13545,43 +14431,49 @@
 </p:properties>
 </file>
 
-<file path=customXml/item2.xml><?xml version="1.0" encoding="utf-8"?>
+<file path=customXml/item5.xml><?xml version="1.0" encoding="utf-8"?>
 <Control xmlns="http://schemas.microsoft.com/VisualStudio/2011/storyboarding/control">
-  <Id Name="5e505f8e-b0aa-429a-bb4c-92ab0e8a8ee6" RevisionId="d2083f08-ba4f-4330-87aa-e4d23a4443d7" Stencil="172d6d98-e5c9-42e9-a209-79f7a94bbd38" StencilRevisionId="00000000-0000-0000-0000-000000000000" StencilVersion="0.0"/>
+  <Id Name="System.Storyboarding.Annotation.StickyNote" Revision="1" Stencil="System.Storyboarding.Annotation" StencilVersion="0.1"/>
 </Control>
 </file>
 
-<file path=customXml/item3.xml><?xml version="1.0" encoding="utf-8"?>
+<file path=customXml/item6.xml><?xml version="1.0" encoding="utf-8"?>
 <Control xmlns="http://schemas.microsoft.com/VisualStudio/2011/storyboarding/control">
-  <Id Name="System.Storyboarding.Common.DragSelection" Revision="1" Stencil="System.Storyboarding.Common" StencilVersion="0.1"/>
+  <Id Name="System.Storyboarding.WindowsApps.WindowsAppsProgressRing" Revision="1" Stencil="System.Storyboarding.WindowsApps" StencilVersion="0.1"/>
 </Control>
 </file>
 
-<file path=customXml/item4.xml><?xml version="1.0" encoding="utf-8"?>
+<file path=customXml/item7.xml><?xml version="1.0" encoding="utf-8"?>
 <Control xmlns="http://schemas.microsoft.com/VisualStudio/2011/storyboarding/control">
   <Id Name="System.Storyboarding.WindowsApps.WindowsAppsListBox" Revision="1" Stencil="System.Storyboarding.WindowsApps" StencilVersion="0.1"/>
 </Control>
 </file>
 
-<file path=customXml/item5.xml><?xml version="1.0" encoding="utf-8"?>
-<Control xmlns="http://schemas.microsoft.com/VisualStudio/2011/storyboarding/control">
-  <Id Name="System.Storyboarding.WindowsApps.WindowsAppsProgressRing" Revision="1" Stencil="System.Storyboarding.WindowsApps" StencilVersion="0.1"/>
-</Control>
+<file path=customXml/itemProps1.xml><?xml version="1.0" encoding="utf-8"?>
+<ds:datastoreItem xmlns:ds="http://schemas.openxmlformats.org/officeDocument/2006/customXml" ds:itemID="{74F50758-6994-47AF-ADB4-84074E43B95D}">
+  <ds:schemaRefs>
+    <ds:schemaRef ds:uri="http://schemas.microsoft.com/VisualStudio/2011/storyboarding/control"/>
+  </ds:schemaRefs>
+</ds:datastoreItem>
 </file>
 
-<file path=customXml/item6.xml><?xml version="1.0" encoding="utf-8"?>
-<Control xmlns="http://schemas.microsoft.com/VisualStudio/2011/storyboarding/control">
-  <Id Name="System.Storyboarding.Annotation.StickyNote" Revision="1" Stencil="System.Storyboarding.Annotation" StencilVersion="0.1"/>
-</Control>
+<file path=customXml/itemProps2.xml><?xml version="1.0" encoding="utf-8"?>
+<ds:datastoreItem xmlns:ds="http://schemas.openxmlformats.org/officeDocument/2006/customXml" ds:itemID="{195C3A57-25C5-4CAC-A396-8711CE839175}">
+  <ds:schemaRefs>
+    <ds:schemaRef ds:uri="http://schemas.microsoft.com/VisualStudio/2011/storyboarding/control"/>
+  </ds:schemaRefs>
+</ds:datastoreItem>
 </file>
 
-<file path=customXml/item7.xml><?xml version="1.0" encoding="utf-8"?>
-<Control xmlns="http://schemas.microsoft.com/VisualStudio/2011/storyboarding/control">
-  <Id Name="System.Storyboarding.Common.TextInput" Revision="1" Stencil="System.Storyboarding.Common" StencilVersion="0.1"/>
-</Control>
+<file path=customXml/itemProps3.xml><?xml version="1.0" encoding="utf-8"?>
+<ds:datastoreItem xmlns:ds="http://schemas.openxmlformats.org/officeDocument/2006/customXml" ds:itemID="{22271091-DDCE-44B5-B608-BB96BCA0C299}">
+  <ds:schemaRefs>
+    <ds:schemaRef ds:uri="http://schemas.microsoft.com/VisualStudio/2011/storyboarding/control"/>
+  </ds:schemaRefs>
+</ds:datastoreItem>
 </file>
 
-<file path=customXml/itemProps1.xml><?xml version="1.0" encoding="utf-8"?>
+<file path=customXml/itemProps4.xml><?xml version="1.0" encoding="utf-8"?>
 <ds:datastoreItem xmlns:ds="http://schemas.openxmlformats.org/officeDocument/2006/customXml" ds:itemID="{1322E1B6-B69B-4B1E-9F64-FFB1E4A65691}">
   <ds:schemaRefs>
     <ds:schemaRef ds:uri="http://schemas.microsoft.com/office/2006/metadata/properties"/>
@@ -13591,31 +14483,15 @@
 </ds:datastoreItem>
 </file>
 
-<file path=customXml/itemProps2.xml><?xml version="1.0" encoding="utf-8"?>
-<ds:datastoreItem xmlns:ds="http://schemas.openxmlformats.org/officeDocument/2006/customXml" ds:itemID="{22271091-DDCE-44B5-B608-BB96BCA0C299}">
+<file path=customXml/itemProps5.xml><?xml version="1.0" encoding="utf-8"?>
+<ds:datastoreItem xmlns:ds="http://schemas.openxmlformats.org/officeDocument/2006/customXml" ds:itemID="{35CD12A2-2187-402A-B9D9-EF68624DB0B9}">
   <ds:schemaRefs>
     <ds:schemaRef ds:uri="http://schemas.microsoft.com/VisualStudio/2011/storyboarding/control"/>
   </ds:schemaRefs>
 </ds:datastoreItem>
 </file>
 
-<file path=customXml/itemProps3.xml><?xml version="1.0" encoding="utf-8"?>
-<ds:datastoreItem xmlns:ds="http://schemas.openxmlformats.org/officeDocument/2006/customXml" ds:itemID="{74F50758-6994-47AF-ADB4-84074E43B95D}">
-  <ds:schemaRefs>
-    <ds:schemaRef ds:uri="http://schemas.microsoft.com/VisualStudio/2011/storyboarding/control"/>
-  </ds:schemaRefs>
-</ds:datastoreItem>
-</file>
-
-<file path=customXml/itemProps4.xml><?xml version="1.0" encoding="utf-8"?>
-<ds:datastoreItem xmlns:ds="http://schemas.openxmlformats.org/officeDocument/2006/customXml" ds:itemID="{925928FA-66B2-4992-9AF7-6AAB34665E06}">
-  <ds:schemaRefs>
-    <ds:schemaRef ds:uri="http://schemas.microsoft.com/VisualStudio/2011/storyboarding/control"/>
-  </ds:schemaRefs>
-</ds:datastoreItem>
-</file>
-
-<file path=customXml/itemProps5.xml><?xml version="1.0" encoding="utf-8"?>
+<file path=customXml/itemProps6.xml><?xml version="1.0" encoding="utf-8"?>
 <ds:datastoreItem xmlns:ds="http://schemas.openxmlformats.org/officeDocument/2006/customXml" ds:itemID="{EE994FE8-9D1B-4C75-9803-F4D3D8088B5B}">
   <ds:schemaRefs>
     <ds:schemaRef ds:uri="http://schemas.microsoft.com/VisualStudio/2011/storyboarding/control"/>
@@ -13623,16 +14499,8 @@
 </ds:datastoreItem>
 </file>
 
-<file path=customXml/itemProps6.xml><?xml version="1.0" encoding="utf-8"?>
-<ds:datastoreItem xmlns:ds="http://schemas.openxmlformats.org/officeDocument/2006/customXml" ds:itemID="{35CD12A2-2187-402A-B9D9-EF68624DB0B9}">
-  <ds:schemaRefs>
-    <ds:schemaRef ds:uri="http://schemas.microsoft.com/VisualStudio/2011/storyboarding/control"/>
-  </ds:schemaRefs>
-</ds:datastoreItem>
-</file>
-
 <file path=customXml/itemProps7.xml><?xml version="1.0" encoding="utf-8"?>
-<ds:datastoreItem xmlns:ds="http://schemas.openxmlformats.org/officeDocument/2006/customXml" ds:itemID="{195C3A57-25C5-4CAC-A396-8711CE839175}">
+<ds:datastoreItem xmlns:ds="http://schemas.openxmlformats.org/officeDocument/2006/customXml" ds:itemID="{925928FA-66B2-4992-9AF7-6AAB34665E06}">
   <ds:schemaRefs>
     <ds:schemaRef ds:uri="http://schemas.microsoft.com/VisualStudio/2011/storyboarding/control"/>
   </ds:schemaRefs>
